--- a/practical_class/class_ppt/0331程一實習.pptx
+++ b/practical_class/class_ppt/0331程一實習.pptx
@@ -15,9 +15,9 @@
     <p:sldId id="264" r:id="rId6"/>
     <p:sldId id="257" r:id="rId7"/>
     <p:sldId id="269" r:id="rId8"/>
-    <p:sldId id="270" r:id="rId9"/>
-    <p:sldId id="271" r:id="rId10"/>
-    <p:sldId id="272" r:id="rId11"/>
+    <p:sldId id="271" r:id="rId9"/>
+    <p:sldId id="272" r:id="rId10"/>
+    <p:sldId id="278" r:id="rId11"/>
     <p:sldId id="261" r:id="rId12"/>
     <p:sldId id="273" r:id="rId13"/>
     <p:sldId id="265" r:id="rId14"/>
@@ -230,7 +230,7 @@
           <a:p>
             <a:fld id="{4A026C94-271D-49A1-BABA-212293D723B7}" type="datetimeFigureOut">
               <a:rPr lang="zh-TW" altLang="en-US" smtClean="0"/>
-              <a:t>2022/3/29</a:t>
+              <a:t>2022/3/30</a:t>
             </a:fld>
             <a:endParaRPr lang="zh-TW" altLang="en-US"/>
           </a:p>
@@ -565,7 +565,7 @@
           <a:p>
             <a:fld id="{92CD3976-0A53-43C7-A43E-A2410759C6DA}" type="slidenum">
               <a:rPr lang="zh-TW" altLang="en-US" smtClean="0"/>
-              <a:t>10</a:t>
+              <a:t>9</a:t>
             </a:fld>
             <a:endParaRPr lang="zh-TW" altLang="en-US"/>
           </a:p>
@@ -818,7 +818,7 @@
           <a:p>
             <a:fld id="{EC09F29B-51DF-41BF-B9C1-3A09295E2F91}" type="datetimeFigureOut">
               <a:rPr lang="zh-TW" altLang="en-US" smtClean="0"/>
-              <a:t>2022/3/29</a:t>
+              <a:t>2022/3/30</a:t>
             </a:fld>
             <a:endParaRPr lang="zh-TW" altLang="en-US"/>
           </a:p>
@@ -1016,7 +1016,7 @@
           <a:p>
             <a:fld id="{EC09F29B-51DF-41BF-B9C1-3A09295E2F91}" type="datetimeFigureOut">
               <a:rPr lang="zh-TW" altLang="en-US" smtClean="0"/>
-              <a:t>2022/3/29</a:t>
+              <a:t>2022/3/30</a:t>
             </a:fld>
             <a:endParaRPr lang="zh-TW" altLang="en-US"/>
           </a:p>
@@ -1224,7 +1224,7 @@
           <a:p>
             <a:fld id="{EC09F29B-51DF-41BF-B9C1-3A09295E2F91}" type="datetimeFigureOut">
               <a:rPr lang="zh-TW" altLang="en-US" smtClean="0"/>
-              <a:t>2022/3/29</a:t>
+              <a:t>2022/3/30</a:t>
             </a:fld>
             <a:endParaRPr lang="zh-TW" altLang="en-US"/>
           </a:p>
@@ -1422,7 +1422,7 @@
           <a:p>
             <a:fld id="{EC09F29B-51DF-41BF-B9C1-3A09295E2F91}" type="datetimeFigureOut">
               <a:rPr lang="zh-TW" altLang="en-US" smtClean="0"/>
-              <a:t>2022/3/29</a:t>
+              <a:t>2022/3/30</a:t>
             </a:fld>
             <a:endParaRPr lang="zh-TW" altLang="en-US"/>
           </a:p>
@@ -1697,7 +1697,7 @@
           <a:p>
             <a:fld id="{EC09F29B-51DF-41BF-B9C1-3A09295E2F91}" type="datetimeFigureOut">
               <a:rPr lang="zh-TW" altLang="en-US" smtClean="0"/>
-              <a:t>2022/3/29</a:t>
+              <a:t>2022/3/30</a:t>
             </a:fld>
             <a:endParaRPr lang="zh-TW" altLang="en-US"/>
           </a:p>
@@ -1962,7 +1962,7 @@
           <a:p>
             <a:fld id="{EC09F29B-51DF-41BF-B9C1-3A09295E2F91}" type="datetimeFigureOut">
               <a:rPr lang="zh-TW" altLang="en-US" smtClean="0"/>
-              <a:t>2022/3/29</a:t>
+              <a:t>2022/3/30</a:t>
             </a:fld>
             <a:endParaRPr lang="zh-TW" altLang="en-US"/>
           </a:p>
@@ -2374,7 +2374,7 @@
           <a:p>
             <a:fld id="{EC09F29B-51DF-41BF-B9C1-3A09295E2F91}" type="datetimeFigureOut">
               <a:rPr lang="zh-TW" altLang="en-US" smtClean="0"/>
-              <a:t>2022/3/29</a:t>
+              <a:t>2022/3/30</a:t>
             </a:fld>
             <a:endParaRPr lang="zh-TW" altLang="en-US"/>
           </a:p>
@@ -2515,7 +2515,7 @@
           <a:p>
             <a:fld id="{EC09F29B-51DF-41BF-B9C1-3A09295E2F91}" type="datetimeFigureOut">
               <a:rPr lang="zh-TW" altLang="en-US" smtClean="0"/>
-              <a:t>2022/3/29</a:t>
+              <a:t>2022/3/30</a:t>
             </a:fld>
             <a:endParaRPr lang="zh-TW" altLang="en-US"/>
           </a:p>
@@ -2628,7 +2628,7 @@
           <a:p>
             <a:fld id="{EC09F29B-51DF-41BF-B9C1-3A09295E2F91}" type="datetimeFigureOut">
               <a:rPr lang="zh-TW" altLang="en-US" smtClean="0"/>
-              <a:t>2022/3/29</a:t>
+              <a:t>2022/3/30</a:t>
             </a:fld>
             <a:endParaRPr lang="zh-TW" altLang="en-US"/>
           </a:p>
@@ -2939,7 +2939,7 @@
           <a:p>
             <a:fld id="{EC09F29B-51DF-41BF-B9C1-3A09295E2F91}" type="datetimeFigureOut">
               <a:rPr lang="zh-TW" altLang="en-US" smtClean="0"/>
-              <a:t>2022/3/29</a:t>
+              <a:t>2022/3/30</a:t>
             </a:fld>
             <a:endParaRPr lang="zh-TW" altLang="en-US"/>
           </a:p>
@@ -3227,7 +3227,7 @@
           <a:p>
             <a:fld id="{EC09F29B-51DF-41BF-B9C1-3A09295E2F91}" type="datetimeFigureOut">
               <a:rPr lang="zh-TW" altLang="en-US" smtClean="0"/>
-              <a:t>2022/3/29</a:t>
+              <a:t>2022/3/30</a:t>
             </a:fld>
             <a:endParaRPr lang="zh-TW" altLang="en-US"/>
           </a:p>
@@ -3468,7 +3468,7 @@
           <a:p>
             <a:fld id="{EC09F29B-51DF-41BF-B9C1-3A09295E2F91}" type="datetimeFigureOut">
               <a:rPr lang="zh-TW" altLang="en-US" smtClean="0"/>
-              <a:t>2022/3/29</a:t>
+              <a:t>2022/3/30</a:t>
             </a:fld>
             <a:endParaRPr lang="zh-TW" altLang="en-US"/>
           </a:p>
@@ -4011,7 +4011,7 @@
           <p:cNvPr id="4" name="矩形 3">
             <a:extLst>
               <a:ext uri="{FF2B5EF4-FFF2-40B4-BE49-F238E27FC236}">
-                <a16:creationId xmlns:a16="http://schemas.microsoft.com/office/drawing/2014/main" id="{EAF4D8A2-3B59-40DE-9DB1-DB4E31ED4334}"/>
+                <a16:creationId xmlns:a16="http://schemas.microsoft.com/office/drawing/2014/main" id="{D4DBDADA-78D3-45D2-9DFB-C59136FDCC42}"/>
               </a:ext>
             </a:extLst>
           </p:cNvPr>
@@ -4020,221 +4020,53 @@
         </p:nvSpPr>
         <p:spPr>
           <a:xfrm>
-            <a:off x="668694" y="1720840"/>
-            <a:ext cx="5284238" cy="3416320"/>
+            <a:off x="2351314" y="1418253"/>
+            <a:ext cx="1455576" cy="1212980"/>
           </a:xfrm>
           <a:prstGeom prst="rect">
             <a:avLst/>
           </a:prstGeom>
-        </p:spPr>
-        <p:txBody>
-          <a:bodyPr wrap="square">
-            <a:spAutoFit/>
-          </a:bodyPr>
-          <a:lstStyle/>
-          <a:p>
-            <a:r>
-              <a:rPr lang="zh-TW" altLang="en-US" sz="5400" dirty="0">
-                <a:ln w="0"/>
-                <a:solidFill>
-                  <a:schemeClr val="accent6">
-                    <a:lumMod val="20000"/>
-                    <a:lumOff val="80000"/>
-                  </a:schemeClr>
-                </a:solidFill>
-                <a:effectLst>
-                  <a:outerShdw blurRad="38100" dist="25400" dir="5400000" algn="ctr" rotWithShape="0">
-                    <a:srgbClr val="6E747A">
-                      <a:alpha val="43000"/>
-                    </a:srgbClr>
-                  </a:outerShdw>
-                </a:effectLst>
-              </a:rPr>
-              <a:t>三種傳值方式</a:t>
-            </a:r>
-            <a:r>
-              <a:rPr lang="en-US" altLang="zh-TW" sz="5400" dirty="0">
-                <a:ln w="0"/>
-                <a:solidFill>
-                  <a:schemeClr val="accent6">
-                    <a:lumMod val="20000"/>
-                    <a:lumOff val="80000"/>
-                  </a:schemeClr>
-                </a:solidFill>
-                <a:effectLst>
-                  <a:outerShdw blurRad="38100" dist="25400" dir="5400000" algn="ctr" rotWithShape="0">
-                    <a:srgbClr val="6E747A">
-                      <a:alpha val="43000"/>
-                    </a:srgbClr>
-                  </a:outerShdw>
-                </a:effectLst>
-              </a:rPr>
-              <a:t>:</a:t>
-            </a:r>
-          </a:p>
-          <a:p>
-            <a:r>
-              <a:rPr lang="en-US" altLang="zh-TW" sz="5400" dirty="0">
-                <a:ln w="0"/>
-                <a:solidFill>
-                  <a:schemeClr val="accent6">
-                    <a:lumMod val="20000"/>
-                    <a:lumOff val="80000"/>
-                  </a:schemeClr>
-                </a:solidFill>
-                <a:effectLst>
-                  <a:outerShdw blurRad="38100" dist="25400" dir="5400000" algn="ctr" rotWithShape="0">
-                    <a:srgbClr val="6E747A">
-                      <a:alpha val="43000"/>
-                    </a:srgbClr>
-                  </a:outerShdw>
-                </a:effectLst>
-              </a:rPr>
-              <a:t>Pass by value</a:t>
-            </a:r>
-          </a:p>
-          <a:p>
-            <a:r>
-              <a:rPr lang="en-US" altLang="zh-TW" sz="5400" dirty="0">
-                <a:ln w="0"/>
-                <a:solidFill>
-                  <a:schemeClr val="accent6">
-                    <a:lumMod val="20000"/>
-                    <a:lumOff val="80000"/>
-                  </a:schemeClr>
-                </a:solidFill>
-                <a:effectLst>
-                  <a:outerShdw blurRad="38100" dist="25400" dir="5400000" algn="ctr" rotWithShape="0">
-                    <a:srgbClr val="6E747A">
-                      <a:alpha val="43000"/>
-                    </a:srgbClr>
-                  </a:outerShdw>
-                </a:effectLst>
-              </a:rPr>
-              <a:t>Pass by reference</a:t>
-            </a:r>
-          </a:p>
-          <a:p>
-            <a:r>
-              <a:rPr lang="en-US" altLang="zh-TW" sz="5400" dirty="0">
-                <a:ln w="0"/>
-                <a:solidFill>
-                  <a:schemeClr val="accent6">
-                    <a:lumMod val="20000"/>
-                    <a:lumOff val="80000"/>
-                  </a:schemeClr>
-                </a:solidFill>
-                <a:effectLst>
-                  <a:outerShdw blurRad="38100" dist="25400" dir="5400000" algn="ctr" rotWithShape="0">
-                    <a:srgbClr val="6E747A">
-                      <a:alpha val="43000"/>
-                    </a:srgbClr>
-                  </a:outerShdw>
-                </a:effectLst>
-              </a:rPr>
-              <a:t>Pass by address</a:t>
-            </a:r>
-            <a:endParaRPr lang="zh-TW" altLang="en-US" sz="5400" dirty="0">
-              <a:ln w="0"/>
-              <a:solidFill>
-                <a:schemeClr val="accent6">
-                  <a:lumMod val="20000"/>
-                  <a:lumOff val="80000"/>
-                </a:schemeClr>
-              </a:solidFill>
-              <a:effectLst>
-                <a:outerShdw blurRad="38100" dist="25400" dir="5400000" algn="ctr" rotWithShape="0">
-                  <a:srgbClr val="6E747A">
-                    <a:alpha val="43000"/>
-                  </a:srgbClr>
-                </a:outerShdw>
-              </a:effectLst>
-            </a:endParaRPr>
-          </a:p>
-        </p:txBody>
-      </p:sp>
-      <p:pic>
-        <p:nvPicPr>
-          <p:cNvPr id="5" name="內容版面配置區 4">
-            <a:extLst>
-              <a:ext uri="{FF2B5EF4-FFF2-40B4-BE49-F238E27FC236}">
-                <a16:creationId xmlns:a16="http://schemas.microsoft.com/office/drawing/2014/main" id="{CA6DF8C9-94AE-49BA-A165-7C444C5B15FC}"/>
-              </a:ext>
-            </a:extLst>
-          </p:cNvPr>
-          <p:cNvPicPr>
-            <a:picLocks noGrp="1" noChangeAspect="1"/>
-          </p:cNvPicPr>
-          <p:nvPr>
-            <p:ph idx="1"/>
-          </p:nvPr>
-        </p:nvPicPr>
-        <p:blipFill>
-          <a:blip r:embed="rId3">
-            <a:extLst>
-              <a:ext uri="{28A0092B-C50C-407E-A947-70E740481C1C}">
-                <a14:useLocalDpi xmlns:a14="http://schemas.microsoft.com/office/drawing/2010/main" val="0"/>
-              </a:ext>
-            </a:extLst>
-          </a:blip>
-          <a:stretch>
-            <a:fillRect/>
-          </a:stretch>
-        </p:blipFill>
-        <p:spPr>
-          <a:xfrm>
-            <a:off x="5848466" y="1080210"/>
-            <a:ext cx="6263440" cy="4697580"/>
-          </a:xfrm>
-        </p:spPr>
-      </p:pic>
-      <p:cxnSp>
-        <p:nvCxnSpPr>
-          <p:cNvPr id="6" name="直線單箭頭接點 5">
-            <a:extLst>
-              <a:ext uri="{FF2B5EF4-FFF2-40B4-BE49-F238E27FC236}">
-                <a16:creationId xmlns:a16="http://schemas.microsoft.com/office/drawing/2014/main" id="{6D53A453-1462-499E-82F4-E997C49CD278}"/>
-              </a:ext>
-            </a:extLst>
-          </p:cNvPr>
-          <p:cNvCxnSpPr>
-            <a:cxnSpLocks/>
-          </p:cNvCxnSpPr>
-          <p:nvPr/>
-        </p:nvCxnSpPr>
-        <p:spPr>
-          <a:xfrm flipV="1">
-            <a:off x="4777274" y="2108718"/>
-            <a:ext cx="1461796" cy="947057"/>
-          </a:xfrm>
-          <a:prstGeom prst="straightConnector1">
-            <a:avLst/>
-          </a:prstGeom>
+          <a:noFill/>
           <a:ln w="57150">
-            <a:tailEnd type="triangle"/>
+            <a:solidFill>
+              <a:schemeClr val="accent6">
+                <a:lumMod val="40000"/>
+                <a:lumOff val="60000"/>
+              </a:schemeClr>
+            </a:solidFill>
           </a:ln>
         </p:spPr>
         <p:style>
-          <a:lnRef idx="1">
-            <a:schemeClr val="accent1"/>
+          <a:lnRef idx="2">
+            <a:schemeClr val="accent1">
+              <a:shade val="50000"/>
+            </a:schemeClr>
           </a:lnRef>
-          <a:fillRef idx="0">
+          <a:fillRef idx="1">
             <a:schemeClr val="accent1"/>
           </a:fillRef>
           <a:effectRef idx="0">
             <a:schemeClr val="accent1"/>
           </a:effectRef>
           <a:fontRef idx="minor">
-            <a:schemeClr val="tx1"/>
+            <a:schemeClr val="lt1"/>
           </a:fontRef>
         </p:style>
-      </p:cxnSp>
-      <p:sp>
-        <p:nvSpPr>
-          <p:cNvPr id="8" name="矩形 7">
-            <a:extLst>
-              <a:ext uri="{FF2B5EF4-FFF2-40B4-BE49-F238E27FC236}">
-                <a16:creationId xmlns:a16="http://schemas.microsoft.com/office/drawing/2014/main" id="{97F2D343-AF40-4AC3-919E-C96AF4F30E57}"/>
+        <p:txBody>
+          <a:bodyPr rtlCol="0" anchor="ctr"/>
+          <a:lstStyle/>
+          <a:p>
+            <a:pPr algn="ctr"/>
+            <a:endParaRPr lang="zh-TW" altLang="en-US"/>
+          </a:p>
+        </p:txBody>
+      </p:sp>
+      <p:sp>
+        <p:nvSpPr>
+          <p:cNvPr id="5" name="矩形 4">
+            <a:extLst>
+              <a:ext uri="{FF2B5EF4-FFF2-40B4-BE49-F238E27FC236}">
+                <a16:creationId xmlns:a16="http://schemas.microsoft.com/office/drawing/2014/main" id="{8A7359F4-9671-4A8D-B551-0EF63B3C1017}"/>
               </a:ext>
             </a:extLst>
           </p:cNvPr>
@@ -4243,8 +4075,173 @@
         </p:nvSpPr>
         <p:spPr>
           <a:xfrm>
-            <a:off x="9929793" y="1474437"/>
-            <a:ext cx="1593513" cy="923330"/>
+            <a:off x="8170506" y="4074367"/>
+            <a:ext cx="1455576" cy="1212980"/>
+          </a:xfrm>
+          <a:prstGeom prst="rect">
+            <a:avLst/>
+          </a:prstGeom>
+          <a:noFill/>
+          <a:ln w="57150">
+            <a:solidFill>
+              <a:schemeClr val="accent6">
+                <a:lumMod val="40000"/>
+                <a:lumOff val="60000"/>
+              </a:schemeClr>
+            </a:solidFill>
+          </a:ln>
+        </p:spPr>
+        <p:style>
+          <a:lnRef idx="2">
+            <a:schemeClr val="accent1">
+              <a:shade val="50000"/>
+            </a:schemeClr>
+          </a:lnRef>
+          <a:fillRef idx="1">
+            <a:schemeClr val="accent1"/>
+          </a:fillRef>
+          <a:effectRef idx="0">
+            <a:schemeClr val="accent1"/>
+          </a:effectRef>
+          <a:fontRef idx="minor">
+            <a:schemeClr val="lt1"/>
+          </a:fontRef>
+        </p:style>
+        <p:txBody>
+          <a:bodyPr rtlCol="0" anchor="ctr"/>
+          <a:lstStyle/>
+          <a:p>
+            <a:pPr algn="ctr"/>
+            <a:endParaRPr lang="zh-TW" altLang="en-US"/>
+          </a:p>
+        </p:txBody>
+      </p:sp>
+      <p:sp>
+        <p:nvSpPr>
+          <p:cNvPr id="6" name="矩形 5">
+            <a:extLst>
+              <a:ext uri="{FF2B5EF4-FFF2-40B4-BE49-F238E27FC236}">
+                <a16:creationId xmlns:a16="http://schemas.microsoft.com/office/drawing/2014/main" id="{3512E6FE-4242-4CC9-AE46-F0BC40A3507D}"/>
+              </a:ext>
+            </a:extLst>
+          </p:cNvPr>
+          <p:cNvSpPr/>
+          <p:nvPr/>
+        </p:nvSpPr>
+        <p:spPr>
+          <a:xfrm>
+            <a:off x="8170506" y="1418253"/>
+            <a:ext cx="1455576" cy="1212980"/>
+          </a:xfrm>
+          <a:prstGeom prst="rect">
+            <a:avLst/>
+          </a:prstGeom>
+          <a:noFill/>
+          <a:ln w="57150">
+            <a:solidFill>
+              <a:schemeClr val="accent6">
+                <a:lumMod val="40000"/>
+                <a:lumOff val="60000"/>
+              </a:schemeClr>
+            </a:solidFill>
+          </a:ln>
+        </p:spPr>
+        <p:style>
+          <a:lnRef idx="2">
+            <a:schemeClr val="accent1">
+              <a:shade val="50000"/>
+            </a:schemeClr>
+          </a:lnRef>
+          <a:fillRef idx="1">
+            <a:schemeClr val="accent1"/>
+          </a:fillRef>
+          <a:effectRef idx="0">
+            <a:schemeClr val="accent1"/>
+          </a:effectRef>
+          <a:fontRef idx="minor">
+            <a:schemeClr val="lt1"/>
+          </a:fontRef>
+        </p:style>
+        <p:txBody>
+          <a:bodyPr rtlCol="0" anchor="ctr"/>
+          <a:lstStyle/>
+          <a:p>
+            <a:pPr algn="ctr"/>
+            <a:endParaRPr lang="zh-TW" altLang="en-US"/>
+          </a:p>
+        </p:txBody>
+      </p:sp>
+      <p:sp>
+        <p:nvSpPr>
+          <p:cNvPr id="7" name="矩形 6">
+            <a:extLst>
+              <a:ext uri="{FF2B5EF4-FFF2-40B4-BE49-F238E27FC236}">
+                <a16:creationId xmlns:a16="http://schemas.microsoft.com/office/drawing/2014/main" id="{3F3D9124-D63A-485B-8347-0AA88B32535B}"/>
+              </a:ext>
+            </a:extLst>
+          </p:cNvPr>
+          <p:cNvSpPr/>
+          <p:nvPr/>
+        </p:nvSpPr>
+        <p:spPr>
+          <a:xfrm>
+            <a:off x="2351314" y="4074367"/>
+            <a:ext cx="1455576" cy="1212980"/>
+          </a:xfrm>
+          <a:prstGeom prst="rect">
+            <a:avLst/>
+          </a:prstGeom>
+          <a:noFill/>
+          <a:ln w="57150">
+            <a:solidFill>
+              <a:schemeClr val="accent6">
+                <a:lumMod val="40000"/>
+                <a:lumOff val="60000"/>
+              </a:schemeClr>
+            </a:solidFill>
+          </a:ln>
+        </p:spPr>
+        <p:style>
+          <a:lnRef idx="2">
+            <a:schemeClr val="accent1">
+              <a:shade val="50000"/>
+            </a:schemeClr>
+          </a:lnRef>
+          <a:fillRef idx="1">
+            <a:schemeClr val="accent1"/>
+          </a:fillRef>
+          <a:effectRef idx="0">
+            <a:schemeClr val="accent1"/>
+          </a:effectRef>
+          <a:fontRef idx="minor">
+            <a:schemeClr val="lt1"/>
+          </a:fontRef>
+        </p:style>
+        <p:txBody>
+          <a:bodyPr rtlCol="0" anchor="ctr"/>
+          <a:lstStyle/>
+          <a:p>
+            <a:pPr algn="ctr"/>
+            <a:endParaRPr lang="zh-TW" altLang="en-US"/>
+          </a:p>
+        </p:txBody>
+      </p:sp>
+      <p:sp>
+        <p:nvSpPr>
+          <p:cNvPr id="8" name="矩形 7">
+            <a:extLst>
+              <a:ext uri="{FF2B5EF4-FFF2-40B4-BE49-F238E27FC236}">
+                <a16:creationId xmlns:a16="http://schemas.microsoft.com/office/drawing/2014/main" id="{9CD7F66E-AF30-4BA2-9674-4569A639CB52}"/>
+              </a:ext>
+            </a:extLst>
+          </p:cNvPr>
+          <p:cNvSpPr/>
+          <p:nvPr/>
+        </p:nvSpPr>
+        <p:spPr>
+          <a:xfrm>
+            <a:off x="308070" y="746649"/>
+            <a:ext cx="1592103" cy="923330"/>
           </a:xfrm>
           <a:prstGeom prst="rect">
             <a:avLst/>
@@ -4272,7 +4269,7 @@
                   </a:outerShdw>
                 </a:effectLst>
               </a:rPr>
-              <a:t>Copy</a:t>
+              <a:t>main</a:t>
             </a:r>
             <a:endParaRPr lang="zh-TW" altLang="en-US" sz="5400" b="0" cap="none" spc="0" dirty="0">
               <a:ln w="0"/>
@@ -4290,10 +4287,71 @@
           </a:p>
         </p:txBody>
       </p:sp>
+      <p:sp>
+        <p:nvSpPr>
+          <p:cNvPr id="9" name="矩形 8">
+            <a:extLst>
+              <a:ext uri="{FF2B5EF4-FFF2-40B4-BE49-F238E27FC236}">
+                <a16:creationId xmlns:a16="http://schemas.microsoft.com/office/drawing/2014/main" id="{DADD4B70-8175-408D-B594-A2C0210EBC72}"/>
+              </a:ext>
+            </a:extLst>
+          </p:cNvPr>
+          <p:cNvSpPr/>
+          <p:nvPr/>
+        </p:nvSpPr>
+        <p:spPr>
+          <a:xfrm>
+            <a:off x="6351153" y="746649"/>
+            <a:ext cx="1417376" cy="923330"/>
+          </a:xfrm>
+          <a:prstGeom prst="rect">
+            <a:avLst/>
+          </a:prstGeom>
+          <a:noFill/>
+        </p:spPr>
+        <p:txBody>
+          <a:bodyPr wrap="none" lIns="91440" tIns="45720" rIns="91440" bIns="45720">
+            <a:spAutoFit/>
+          </a:bodyPr>
+          <a:lstStyle/>
+          <a:p>
+            <a:pPr algn="ctr"/>
+            <a:r>
+              <a:rPr lang="en-US" altLang="zh-TW" sz="5400" b="0" cap="none" spc="0" dirty="0" err="1">
+                <a:ln w="0"/>
+                <a:solidFill>
+                  <a:schemeClr val="accent1"/>
+                </a:solidFill>
+                <a:effectLst>
+                  <a:outerShdw blurRad="38100" dist="25400" dir="5400000" algn="ctr" rotWithShape="0">
+                    <a:srgbClr val="6E747A">
+                      <a:alpha val="43000"/>
+                    </a:srgbClr>
+                  </a:outerShdw>
+                </a:effectLst>
+              </a:rPr>
+              <a:t>func</a:t>
+            </a:r>
+            <a:endParaRPr lang="zh-TW" altLang="en-US" sz="5400" b="0" cap="none" spc="0" dirty="0">
+              <a:ln w="0"/>
+              <a:solidFill>
+                <a:schemeClr val="accent1"/>
+              </a:solidFill>
+              <a:effectLst>
+                <a:outerShdw blurRad="38100" dist="25400" dir="5400000" algn="ctr" rotWithShape="0">
+                  <a:srgbClr val="6E747A">
+                    <a:alpha val="43000"/>
+                  </a:srgbClr>
+                </a:outerShdw>
+              </a:effectLst>
+            </a:endParaRPr>
+          </a:p>
+        </p:txBody>
+      </p:sp>
     </p:spTree>
     <p:extLst>
       <p:ext uri="{BB962C8B-B14F-4D97-AF65-F5344CB8AC3E}">
-        <p14:creationId xmlns:p14="http://schemas.microsoft.com/office/powerpoint/2010/main" val="261317701"/>
+        <p14:creationId xmlns:p14="http://schemas.microsoft.com/office/powerpoint/2010/main" val="38945441"/>
       </p:ext>
     </p:extLst>
   </p:cSld>
@@ -4393,7 +4451,7 @@
             </a:r>
             <a:r>
               <a:rPr lang="zh-TW" altLang="en-US" sz="5400" dirty="0"/>
-              <a:t>無為傳值</a:t>
+              <a:t>無回傳值</a:t>
             </a:r>
             <a:r>
               <a:rPr lang="en-US" altLang="zh-TW" sz="5400" dirty="0"/>
@@ -5662,20 +5720,31 @@
           <a:lstStyle/>
           <a:p>
             <a:r>
-              <a:rPr lang="en-US" altLang="zh-TW" sz="4000" dirty="0" err="1"/>
-              <a:t>typeid</a:t>
-            </a:r>
-            <a:r>
               <a:rPr lang="en-US" altLang="zh-TW" sz="4000" dirty="0"/>
-              <a:t>().name();</a:t>
-            </a:r>
-          </a:p>
-          <a:p>
+              <a:t>Ex. Sleep();</a:t>
+            </a:r>
+            <a:r>
+              <a:rPr lang="zh-TW" altLang="en-US" sz="4000" dirty="0"/>
+              <a:t> </a:t>
+            </a:r>
+            <a:endParaRPr lang="en-US" altLang="zh-TW" sz="4000" dirty="0"/>
+          </a:p>
+          <a:p>
+            <a:endParaRPr lang="en-US" altLang="zh-TW" sz="4000" dirty="0"/>
+          </a:p>
+          <a:p>
+            <a:pPr marL="0" indent="0">
+              <a:buNone/>
+            </a:pPr>
             <a:r>
               <a:rPr lang="en-US" altLang="zh-TW" sz="4000" dirty="0"/>
-              <a:t>Sleep();</a:t>
-            </a:r>
-            <a:endParaRPr lang="zh-TW" altLang="en-US" sz="4000" dirty="0"/>
+              <a:t>--&gt;</a:t>
+            </a:r>
+            <a:r>
+              <a:rPr lang="zh-TW" altLang="en-US" sz="4000" dirty="0"/>
+              <a:t>封裝程式，重複使用，提高可讀性。</a:t>
+            </a:r>
+            <a:endParaRPr lang="en-US" altLang="zh-TW" sz="4000" dirty="0"/>
           </a:p>
         </p:txBody>
       </p:sp>
@@ -6760,6 +6829,95 @@
           </a:prstGeom>
         </p:spPr>
       </p:pic>
+      <p:sp>
+        <p:nvSpPr>
+          <p:cNvPr id="4" name="矩形 3">
+            <a:extLst>
+              <a:ext uri="{FF2B5EF4-FFF2-40B4-BE49-F238E27FC236}">
+                <a16:creationId xmlns:a16="http://schemas.microsoft.com/office/drawing/2014/main" id="{574042D9-D761-4E52-B14B-C2B260886174}"/>
+              </a:ext>
+            </a:extLst>
+          </p:cNvPr>
+          <p:cNvSpPr/>
+          <p:nvPr/>
+        </p:nvSpPr>
+        <p:spPr>
+          <a:xfrm>
+            <a:off x="231711" y="3816013"/>
+            <a:ext cx="7167465" cy="1754326"/>
+          </a:xfrm>
+          <a:prstGeom prst="rect">
+            <a:avLst/>
+          </a:prstGeom>
+          <a:noFill/>
+        </p:spPr>
+        <p:txBody>
+          <a:bodyPr wrap="square" lIns="91440" tIns="45720" rIns="91440" bIns="45720">
+            <a:spAutoFit/>
+          </a:bodyPr>
+          <a:lstStyle/>
+          <a:p>
+            <a:pPr algn="ctr"/>
+            <a:r>
+              <a:rPr lang="zh-TW" altLang="en-US" sz="5400" b="0" cap="none" spc="0" dirty="0">
+                <a:ln w="0"/>
+                <a:solidFill>
+                  <a:schemeClr val="accent6">
+                    <a:lumMod val="40000"/>
+                    <a:lumOff val="60000"/>
+                  </a:schemeClr>
+                </a:solidFill>
+                <a:effectLst>
+                  <a:outerShdw blurRad="38100" dist="25400" dir="5400000" algn="ctr" rotWithShape="0">
+                    <a:srgbClr val="6E747A">
+                      <a:alpha val="43000"/>
+                    </a:srgbClr>
+                  </a:outerShdw>
+                </a:effectLst>
+              </a:rPr>
+              <a:t>有幾個參數，</a:t>
+            </a:r>
+            <a:endParaRPr lang="en-US" altLang="zh-TW" sz="5400" b="0" cap="none" spc="0" dirty="0">
+              <a:ln w="0"/>
+              <a:solidFill>
+                <a:schemeClr val="accent6">
+                  <a:lumMod val="40000"/>
+                  <a:lumOff val="60000"/>
+                </a:schemeClr>
+              </a:solidFill>
+              <a:effectLst>
+                <a:outerShdw blurRad="38100" dist="25400" dir="5400000" algn="ctr" rotWithShape="0">
+                  <a:srgbClr val="6E747A">
+                    <a:alpha val="43000"/>
+                  </a:srgbClr>
+                </a:outerShdw>
+              </a:effectLst>
+            </a:endParaRPr>
+          </a:p>
+          <a:p>
+            <a:pPr algn="ctr"/>
+            <a:r>
+              <a:rPr lang="zh-TW" altLang="en-US" sz="5400" b="0" cap="none" spc="0" dirty="0">
+                <a:ln w="0"/>
+                <a:solidFill>
+                  <a:schemeClr val="accent6">
+                    <a:lumMod val="40000"/>
+                    <a:lumOff val="60000"/>
+                  </a:schemeClr>
+                </a:solidFill>
+                <a:effectLst>
+                  <a:outerShdw blurRad="38100" dist="25400" dir="5400000" algn="ctr" rotWithShape="0">
+                    <a:srgbClr val="6E747A">
+                      <a:alpha val="43000"/>
+                    </a:srgbClr>
+                  </a:outerShdw>
+                </a:effectLst>
+              </a:rPr>
+              <a:t>就要傳幾個引數</a:t>
+            </a:r>
+          </a:p>
+        </p:txBody>
+      </p:sp>
     </p:spTree>
     <p:extLst>
       <p:ext uri="{BB962C8B-B14F-4D97-AF65-F5344CB8AC3E}">
@@ -6795,7 +6953,7 @@
           <p:cNvPr id="2" name="標題 1">
             <a:extLst>
               <a:ext uri="{FF2B5EF4-FFF2-40B4-BE49-F238E27FC236}">
-                <a16:creationId xmlns:a16="http://schemas.microsoft.com/office/drawing/2014/main" id="{D0F0D4B4-AE24-4F76-98B4-19E3FDFEAD9F}"/>
+                <a16:creationId xmlns:a16="http://schemas.microsoft.com/office/drawing/2014/main" id="{B63E1EFA-164A-45CE-8ADD-1C8247C93F96}"/>
               </a:ext>
             </a:extLst>
           </p:cNvPr>
@@ -6806,21 +6964,53 @@
             <p:ph type="title"/>
           </p:nvPr>
         </p:nvSpPr>
-        <p:spPr/>
+        <p:spPr>
+          <a:xfrm>
+            <a:off x="838199" y="0"/>
+            <a:ext cx="10515600" cy="1325563"/>
+          </a:xfrm>
+        </p:spPr>
         <p:txBody>
           <a:bodyPr/>
           <a:lstStyle/>
           <a:p>
-            <a:endParaRPr lang="zh-TW" altLang="en-US"/>
+            <a:pPr algn="ctr"/>
+            <a:r>
+              <a:rPr lang="zh-TW" altLang="en-US" dirty="0"/>
+              <a:t>為何沒交換</a:t>
+            </a:r>
+            <a:r>
+              <a:rPr lang="en-US" altLang="zh-TW" dirty="0"/>
+              <a:t>???</a:t>
+            </a:r>
+            <a:r>
+              <a:rPr lang="zh-TW" altLang="en-US" dirty="0"/>
+              <a:t> </a:t>
+            </a:r>
+            <a:r>
+              <a:rPr lang="en-US" altLang="zh-TW" dirty="0"/>
+              <a:t>--&gt;</a:t>
+            </a:r>
+            <a:r>
+              <a:rPr lang="zh-TW" altLang="en-US" dirty="0">
+                <a:solidFill>
+                  <a:schemeClr val="accent6">
+                    <a:lumMod val="40000"/>
+                    <a:lumOff val="60000"/>
+                  </a:schemeClr>
+                </a:solidFill>
+              </a:rPr>
+              <a:t>傳值方式</a:t>
+            </a:r>
           </a:p>
         </p:txBody>
       </p:sp>
       <p:pic>
         <p:nvPicPr>
-          <p:cNvPr id="8" name="內容版面配置區 7">
-            <a:extLst>
-              <a:ext uri="{FF2B5EF4-FFF2-40B4-BE49-F238E27FC236}">
-                <a16:creationId xmlns:a16="http://schemas.microsoft.com/office/drawing/2014/main" id="{3C2820D6-F9CA-47D1-A0DC-0B9C63BCCD43}"/>
+          <p:cNvPr id="5" name="內容版面配置區 4">
+            <a:extLst>
+              <a:ext uri="{FF2B5EF4-FFF2-40B4-BE49-F238E27FC236}">
+                <a16:creationId xmlns:a16="http://schemas.microsoft.com/office/drawing/2014/main" id="{729D50F6-97E5-46E4-ABDF-65E86CEB138C}"/>
               </a:ext>
             </a:extLst>
           </p:cNvPr>
@@ -6845,15 +7035,15 @@
         </p:blipFill>
         <p:spPr>
           <a:xfrm>
-            <a:off x="2927822" y="453979"/>
-            <a:ext cx="6038896" cy="6038896"/>
+            <a:off x="2349485" y="1106061"/>
+            <a:ext cx="7493029" cy="5619772"/>
           </a:xfrm>
         </p:spPr>
       </p:pic>
     </p:spTree>
     <p:extLst>
       <p:ext uri="{BB962C8B-B14F-4D97-AF65-F5344CB8AC3E}">
-        <p14:creationId xmlns:p14="http://schemas.microsoft.com/office/powerpoint/2010/main" val="2617399521"/>
+        <p14:creationId xmlns:p14="http://schemas.microsoft.com/office/powerpoint/2010/main" val="2504456704"/>
       </p:ext>
     </p:extLst>
   </p:cSld>
@@ -6882,40 +7072,148 @@
       </p:grpSpPr>
       <p:sp>
         <p:nvSpPr>
-          <p:cNvPr id="2" name="標題 1">
-            <a:extLst>
-              <a:ext uri="{FF2B5EF4-FFF2-40B4-BE49-F238E27FC236}">
-                <a16:creationId xmlns:a16="http://schemas.microsoft.com/office/drawing/2014/main" id="{B63E1EFA-164A-45CE-8ADD-1C8247C93F96}"/>
-              </a:ext>
-            </a:extLst>
-          </p:cNvPr>
-          <p:cNvSpPr>
-            <a:spLocks noGrp="1"/>
-          </p:cNvSpPr>
-          <p:nvPr>
-            <p:ph type="title"/>
-          </p:nvPr>
+          <p:cNvPr id="4" name="矩形 3">
+            <a:extLst>
+              <a:ext uri="{FF2B5EF4-FFF2-40B4-BE49-F238E27FC236}">
+                <a16:creationId xmlns:a16="http://schemas.microsoft.com/office/drawing/2014/main" id="{EAF4D8A2-3B59-40DE-9DB1-DB4E31ED4334}"/>
+              </a:ext>
+            </a:extLst>
+          </p:cNvPr>
+          <p:cNvSpPr/>
+          <p:nvPr/>
         </p:nvSpPr>
         <p:spPr>
           <a:xfrm>
-            <a:off x="838199" y="0"/>
-            <a:ext cx="10515600" cy="1325563"/>
+            <a:off x="668694" y="1720840"/>
+            <a:ext cx="5284238" cy="3416320"/>
           </a:xfrm>
+          <a:prstGeom prst="rect">
+            <a:avLst/>
+          </a:prstGeom>
         </p:spPr>
         <p:txBody>
-          <a:bodyPr/>
-          <a:lstStyle/>
-          <a:p>
-            <a:pPr algn="ctr"/>
-            <a:r>
-              <a:rPr lang="zh-TW" altLang="en-US" dirty="0"/>
-              <a:t>為何沒交換</a:t>
-            </a:r>
-            <a:r>
-              <a:rPr lang="en-US" altLang="zh-TW" dirty="0"/>
-              <a:t>???</a:t>
-            </a:r>
-            <a:endParaRPr lang="zh-TW" altLang="en-US" dirty="0"/>
+          <a:bodyPr wrap="square">
+            <a:spAutoFit/>
+          </a:bodyPr>
+          <a:lstStyle/>
+          <a:p>
+            <a:r>
+              <a:rPr lang="zh-TW" altLang="en-US" sz="5400" dirty="0">
+                <a:ln w="0"/>
+                <a:solidFill>
+                  <a:schemeClr val="accent6">
+                    <a:lumMod val="20000"/>
+                    <a:lumOff val="80000"/>
+                  </a:schemeClr>
+                </a:solidFill>
+                <a:effectLst>
+                  <a:outerShdw blurRad="38100" dist="25400" dir="5400000" algn="ctr" rotWithShape="0">
+                    <a:srgbClr val="6E747A">
+                      <a:alpha val="43000"/>
+                    </a:srgbClr>
+                  </a:outerShdw>
+                </a:effectLst>
+              </a:rPr>
+              <a:t>三種傳值方式</a:t>
+            </a:r>
+            <a:r>
+              <a:rPr lang="en-US" altLang="zh-TW" sz="5400" dirty="0">
+                <a:ln w="0"/>
+                <a:solidFill>
+                  <a:schemeClr val="accent6">
+                    <a:lumMod val="20000"/>
+                    <a:lumOff val="80000"/>
+                  </a:schemeClr>
+                </a:solidFill>
+                <a:effectLst>
+                  <a:outerShdw blurRad="38100" dist="25400" dir="5400000" algn="ctr" rotWithShape="0">
+                    <a:srgbClr val="6E747A">
+                      <a:alpha val="43000"/>
+                    </a:srgbClr>
+                  </a:outerShdw>
+                </a:effectLst>
+              </a:rPr>
+              <a:t>:</a:t>
+            </a:r>
+          </a:p>
+          <a:p>
+            <a:r>
+              <a:rPr lang="en-US" altLang="zh-TW" sz="5400" dirty="0">
+                <a:ln w="0"/>
+                <a:solidFill>
+                  <a:schemeClr val="accent6">
+                    <a:lumMod val="20000"/>
+                    <a:lumOff val="80000"/>
+                  </a:schemeClr>
+                </a:solidFill>
+                <a:effectLst>
+                  <a:outerShdw blurRad="38100" dist="25400" dir="5400000" algn="ctr" rotWithShape="0">
+                    <a:srgbClr val="6E747A">
+                      <a:alpha val="43000"/>
+                    </a:srgbClr>
+                  </a:outerShdw>
+                </a:effectLst>
+              </a:rPr>
+              <a:t>call by value</a:t>
+            </a:r>
+          </a:p>
+          <a:p>
+            <a:r>
+              <a:rPr lang="en-US" altLang="zh-TW" sz="5400" dirty="0">
+                <a:ln w="0"/>
+                <a:solidFill>
+                  <a:schemeClr val="accent6">
+                    <a:lumMod val="20000"/>
+                    <a:lumOff val="80000"/>
+                  </a:schemeClr>
+                </a:solidFill>
+                <a:effectLst>
+                  <a:outerShdw blurRad="38100" dist="25400" dir="5400000" algn="ctr" rotWithShape="0">
+                    <a:srgbClr val="6E747A">
+                      <a:alpha val="43000"/>
+                    </a:srgbClr>
+                  </a:outerShdw>
+                </a:effectLst>
+              </a:rPr>
+              <a:t>call by reference</a:t>
+            </a:r>
+          </a:p>
+          <a:p>
+            <a:r>
+              <a:rPr lang="en-US" altLang="zh-TW" sz="5400" dirty="0">
+                <a:ln w="0"/>
+                <a:solidFill>
+                  <a:schemeClr val="accent6">
+                    <a:lumMod val="20000"/>
+                    <a:lumOff val="80000"/>
+                  </a:schemeClr>
+                </a:solidFill>
+                <a:effectLst>
+                  <a:outerShdw blurRad="38100" dist="25400" dir="5400000" algn="ctr" rotWithShape="0">
+                    <a:srgbClr val="6E747A">
+                      <a:alpha val="43000"/>
+                    </a:srgbClr>
+                  </a:outerShdw>
+                </a:effectLst>
+              </a:rPr>
+              <a:t>call by address</a:t>
+            </a:r>
+            <a:endParaRPr lang="zh-TW" altLang="en-US" sz="5400" dirty="0">
+              <a:ln w="0"/>
+              <a:solidFill>
+                <a:schemeClr val="accent6">
+                  <a:lumMod val="20000"/>
+                  <a:lumOff val="80000"/>
+                </a:schemeClr>
+              </a:solidFill>
+              <a:effectLst>
+                <a:outerShdw blurRad="38100" dist="25400" dir="5400000" algn="ctr" rotWithShape="0">
+                  <a:srgbClr val="6E747A">
+                    <a:alpha val="43000"/>
+                  </a:srgbClr>
+                </a:outerShdw>
+              </a:effectLst>
+            </a:endParaRPr>
           </a:p>
         </p:txBody>
       </p:sp>
@@ -6924,7 +7222,7 @@
           <p:cNvPr id="5" name="內容版面配置區 4">
             <a:extLst>
               <a:ext uri="{FF2B5EF4-FFF2-40B4-BE49-F238E27FC236}">
-                <a16:creationId xmlns:a16="http://schemas.microsoft.com/office/drawing/2014/main" id="{729D50F6-97E5-46E4-ABDF-65E86CEB138C}"/>
+                <a16:creationId xmlns:a16="http://schemas.microsoft.com/office/drawing/2014/main" id="{CA6DF8C9-94AE-49BA-A165-7C444C5B15FC}"/>
               </a:ext>
             </a:extLst>
           </p:cNvPr>
@@ -6936,7 +7234,7 @@
           </p:nvPr>
         </p:nvPicPr>
         <p:blipFill>
-          <a:blip r:embed="rId2">
+          <a:blip r:embed="rId3">
             <a:extLst>
               <a:ext uri="{28A0092B-C50C-407E-A947-70E740481C1C}">
                 <a14:useLocalDpi xmlns:a14="http://schemas.microsoft.com/office/drawing/2010/main" val="0"/>
@@ -6949,15 +7247,117 @@
         </p:blipFill>
         <p:spPr>
           <a:xfrm>
-            <a:off x="2349485" y="1106061"/>
-            <a:ext cx="7493029" cy="5619772"/>
+            <a:off x="5848466" y="1080210"/>
+            <a:ext cx="6263440" cy="4697580"/>
           </a:xfrm>
         </p:spPr>
       </p:pic>
+      <p:cxnSp>
+        <p:nvCxnSpPr>
+          <p:cNvPr id="6" name="直線單箭頭接點 5">
+            <a:extLst>
+              <a:ext uri="{FF2B5EF4-FFF2-40B4-BE49-F238E27FC236}">
+                <a16:creationId xmlns:a16="http://schemas.microsoft.com/office/drawing/2014/main" id="{6D53A453-1462-499E-82F4-E997C49CD278}"/>
+              </a:ext>
+            </a:extLst>
+          </p:cNvPr>
+          <p:cNvCxnSpPr>
+            <a:cxnSpLocks/>
+          </p:cNvCxnSpPr>
+          <p:nvPr/>
+        </p:nvCxnSpPr>
+        <p:spPr>
+          <a:xfrm flipV="1">
+            <a:off x="4777274" y="2108718"/>
+            <a:ext cx="1461796" cy="947057"/>
+          </a:xfrm>
+          <a:prstGeom prst="straightConnector1">
+            <a:avLst/>
+          </a:prstGeom>
+          <a:ln w="57150">
+            <a:tailEnd type="triangle"/>
+          </a:ln>
+        </p:spPr>
+        <p:style>
+          <a:lnRef idx="1">
+            <a:schemeClr val="accent1"/>
+          </a:lnRef>
+          <a:fillRef idx="0">
+            <a:schemeClr val="accent1"/>
+          </a:fillRef>
+          <a:effectRef idx="0">
+            <a:schemeClr val="accent1"/>
+          </a:effectRef>
+          <a:fontRef idx="minor">
+            <a:schemeClr val="tx1"/>
+          </a:fontRef>
+        </p:style>
+      </p:cxnSp>
+      <p:sp>
+        <p:nvSpPr>
+          <p:cNvPr id="8" name="矩形 7">
+            <a:extLst>
+              <a:ext uri="{FF2B5EF4-FFF2-40B4-BE49-F238E27FC236}">
+                <a16:creationId xmlns:a16="http://schemas.microsoft.com/office/drawing/2014/main" id="{97F2D343-AF40-4AC3-919E-C96AF4F30E57}"/>
+              </a:ext>
+            </a:extLst>
+          </p:cNvPr>
+          <p:cNvSpPr/>
+          <p:nvPr/>
+        </p:nvSpPr>
+        <p:spPr>
+          <a:xfrm>
+            <a:off x="9929793" y="1474437"/>
+            <a:ext cx="1593513" cy="923330"/>
+          </a:xfrm>
+          <a:prstGeom prst="rect">
+            <a:avLst/>
+          </a:prstGeom>
+          <a:noFill/>
+        </p:spPr>
+        <p:txBody>
+          <a:bodyPr wrap="none" lIns="91440" tIns="45720" rIns="91440" bIns="45720">
+            <a:spAutoFit/>
+          </a:bodyPr>
+          <a:lstStyle/>
+          <a:p>
+            <a:pPr algn="ctr"/>
+            <a:r>
+              <a:rPr lang="en-US" altLang="zh-TW" sz="5400" b="0" cap="none" spc="0" dirty="0">
+                <a:ln w="0"/>
+                <a:solidFill>
+                  <a:schemeClr val="accent1"/>
+                </a:solidFill>
+                <a:effectLst>
+                  <a:outerShdw blurRad="38100" dist="25400" dir="5400000" algn="ctr" rotWithShape="0">
+                    <a:srgbClr val="6E747A">
+                      <a:alpha val="43000"/>
+                    </a:srgbClr>
+                  </a:outerShdw>
+                </a:effectLst>
+              </a:rPr>
+              <a:t>Copy</a:t>
+            </a:r>
+            <a:endParaRPr lang="zh-TW" altLang="en-US" sz="5400" b="0" cap="none" spc="0" dirty="0">
+              <a:ln w="0"/>
+              <a:solidFill>
+                <a:schemeClr val="accent1"/>
+              </a:solidFill>
+              <a:effectLst>
+                <a:outerShdw blurRad="38100" dist="25400" dir="5400000" algn="ctr" rotWithShape="0">
+                  <a:srgbClr val="6E747A">
+                    <a:alpha val="43000"/>
+                  </a:srgbClr>
+                </a:outerShdw>
+              </a:effectLst>
+            </a:endParaRPr>
+          </a:p>
+        </p:txBody>
+      </p:sp>
     </p:spTree>
     <p:extLst>
       <p:ext uri="{BB962C8B-B14F-4D97-AF65-F5344CB8AC3E}">
-        <p14:creationId xmlns:p14="http://schemas.microsoft.com/office/powerpoint/2010/main" val="2504456704"/>
+        <p14:creationId xmlns:p14="http://schemas.microsoft.com/office/powerpoint/2010/main" val="261317701"/>
       </p:ext>
     </p:extLst>
   </p:cSld>

--- a/practical_class/class_ppt/0331程一實習.pptx
+++ b/practical_class/class_ppt/0331程一實習.pptx
@@ -5,7 +5,7 @@
     <p:sldMasterId id="2147483648" r:id="rId1"/>
   </p:sldMasterIdLst>
   <p:notesMasterIdLst>
-    <p:notesMasterId r:id="rId24"/>
+    <p:notesMasterId r:id="rId25"/>
   </p:notesMasterIdLst>
   <p:sldIdLst>
     <p:sldId id="256" r:id="rId2"/>
@@ -22,14 +22,15 @@
     <p:sldId id="273" r:id="rId13"/>
     <p:sldId id="265" r:id="rId14"/>
     <p:sldId id="258" r:id="rId15"/>
-    <p:sldId id="259" r:id="rId16"/>
-    <p:sldId id="260" r:id="rId17"/>
-    <p:sldId id="266" r:id="rId18"/>
-    <p:sldId id="268" r:id="rId19"/>
-    <p:sldId id="275" r:id="rId20"/>
-    <p:sldId id="276" r:id="rId21"/>
-    <p:sldId id="274" r:id="rId22"/>
-    <p:sldId id="277" r:id="rId23"/>
+    <p:sldId id="279" r:id="rId16"/>
+    <p:sldId id="259" r:id="rId17"/>
+    <p:sldId id="260" r:id="rId18"/>
+    <p:sldId id="266" r:id="rId19"/>
+    <p:sldId id="268" r:id="rId20"/>
+    <p:sldId id="275" r:id="rId21"/>
+    <p:sldId id="276" r:id="rId22"/>
+    <p:sldId id="274" r:id="rId23"/>
+    <p:sldId id="277" r:id="rId24"/>
   </p:sldIdLst>
   <p:sldSz cx="12192000" cy="6858000"/>
   <p:notesSz cx="6858000" cy="9144000"/>
@@ -5008,7 +5009,7 @@
           <p:cNvPr id="2" name="標題 1">
             <a:extLst>
               <a:ext uri="{FF2B5EF4-FFF2-40B4-BE49-F238E27FC236}">
-                <a16:creationId xmlns:a16="http://schemas.microsoft.com/office/drawing/2014/main" id="{5D7B39E9-2C49-436C-8BDC-8EC0AE464B55}"/>
+                <a16:creationId xmlns:a16="http://schemas.microsoft.com/office/drawing/2014/main" id="{A1AD0277-B778-4717-BB23-8F5A2BC969FA}"/>
               </a:ext>
             </a:extLst>
           </p:cNvPr>
@@ -5019,177 +5020,38 @@
             <p:ph type="title"/>
           </p:nvPr>
         </p:nvSpPr>
-        <p:spPr/>
-        <p:txBody>
-          <a:bodyPr/>
-          <a:lstStyle/>
-          <a:p>
-            <a:pPr algn="ctr"/>
-            <a:r>
-              <a:rPr lang="zh-TW" altLang="en-US" dirty="0"/>
-              <a:t>練習一</a:t>
-            </a:r>
-          </a:p>
-        </p:txBody>
-      </p:sp>
-      <p:pic>
-        <p:nvPicPr>
-          <p:cNvPr id="5" name="內容版面配置區 4">
-            <a:extLst>
-              <a:ext uri="{FF2B5EF4-FFF2-40B4-BE49-F238E27FC236}">
-                <a16:creationId xmlns:a16="http://schemas.microsoft.com/office/drawing/2014/main" id="{087DB1E1-539B-4D7B-B878-ED925EA65FA2}"/>
-              </a:ext>
-            </a:extLst>
-          </p:cNvPr>
-          <p:cNvPicPr>
-            <a:picLocks noGrp="1" noChangeAspect="1"/>
-          </p:cNvPicPr>
-          <p:nvPr>
-            <p:ph idx="1"/>
-          </p:nvPr>
-        </p:nvPicPr>
-        <p:blipFill rotWithShape="1">
-          <a:blip r:embed="rId2">
-            <a:extLst>
-              <a:ext uri="{28A0092B-C50C-407E-A947-70E740481C1C}">
-                <a14:useLocalDpi xmlns:a14="http://schemas.microsoft.com/office/drawing/2010/main" val="0"/>
-              </a:ext>
-            </a:extLst>
-          </a:blip>
-          <a:srcRect t="54159"/>
-          <a:stretch/>
-        </p:blipFill>
         <p:spPr>
           <a:xfrm>
-            <a:off x="2946718" y="2304661"/>
-            <a:ext cx="6533183" cy="2767625"/>
+            <a:off x="1080796" y="2427190"/>
+            <a:ext cx="10515600" cy="1325563"/>
           </a:xfrm>
         </p:spPr>
-      </p:pic>
-      <p:sp>
-        <p:nvSpPr>
-          <p:cNvPr id="6" name="矩形 5">
-            <a:extLst>
-              <a:ext uri="{FF2B5EF4-FFF2-40B4-BE49-F238E27FC236}">
-                <a16:creationId xmlns:a16="http://schemas.microsoft.com/office/drawing/2014/main" id="{39E2A8ED-BB86-434D-B8D6-F27BD0ADCD5B}"/>
-              </a:ext>
-            </a:extLst>
-          </p:cNvPr>
-          <p:cNvSpPr/>
-          <p:nvPr/>
-        </p:nvSpPr>
-        <p:spPr>
-          <a:xfrm>
-            <a:off x="1694527" y="5244004"/>
-            <a:ext cx="8560357" cy="1015663"/>
-          </a:xfrm>
-          <a:prstGeom prst="rect">
-            <a:avLst/>
-          </a:prstGeom>
-          <a:noFill/>
-        </p:spPr>
-        <p:txBody>
-          <a:bodyPr wrap="none" lIns="91440" tIns="45720" rIns="91440" bIns="45720">
-            <a:spAutoFit/>
+        <p:txBody>
+          <a:bodyPr>
+            <a:normAutofit/>
           </a:bodyPr>
           <a:lstStyle/>
           <a:p>
             <a:pPr algn="ctr"/>
             <a:r>
-              <a:rPr lang="zh-TW" altLang="en-US" sz="6000" b="0" cap="none" spc="0" dirty="0">
-                <a:ln w="0"/>
-                <a:effectLst>
-                  <a:outerShdw blurRad="38100" dist="25400" dir="5400000" algn="ctr" rotWithShape="0">
-                    <a:srgbClr val="6E747A">
-                      <a:alpha val="43000"/>
-                    </a:srgbClr>
-                  </a:outerShdw>
-                </a:effectLst>
-              </a:rPr>
-              <a:t>完成</a:t>
-            </a:r>
-            <a:r>
-              <a:rPr lang="en-US" altLang="zh-TW" sz="6000" b="0" cap="none" spc="0" dirty="0">
-                <a:ln w="0"/>
-                <a:effectLst>
-                  <a:outerShdw blurRad="38100" dist="25400" dir="5400000" algn="ctr" rotWithShape="0">
-                    <a:srgbClr val="6E747A">
-                      <a:alpha val="43000"/>
-                    </a:srgbClr>
-                  </a:outerShdw>
-                </a:effectLst>
-              </a:rPr>
-              <a:t>f</a:t>
-            </a:r>
-            <a:r>
-              <a:rPr lang="zh-TW" altLang="en-US" sz="6000" b="0" cap="none" spc="0" dirty="0">
-                <a:ln w="0"/>
-                <a:effectLst>
-                  <a:outerShdw blurRad="38100" dist="25400" dir="5400000" algn="ctr" rotWithShape="0">
-                    <a:srgbClr val="6E747A">
-                      <a:alpha val="43000"/>
-                    </a:srgbClr>
-                  </a:outerShdw>
-                </a:effectLst>
-              </a:rPr>
-              <a:t>函數</a:t>
-            </a:r>
-            <a:r>
-              <a:rPr lang="en-US" altLang="zh-TW" sz="6000" dirty="0">
-                <a:ln w="0"/>
-                <a:effectLst>
-                  <a:outerShdw blurRad="38100" dist="25400" dir="5400000" algn="ctr" rotWithShape="0">
-                    <a:srgbClr val="6E747A">
-                      <a:alpha val="43000"/>
-                    </a:srgbClr>
-                  </a:outerShdw>
-                </a:effectLst>
-              </a:rPr>
-              <a:t>=&gt;</a:t>
-            </a:r>
-            <a:r>
-              <a:rPr lang="zh-TW" altLang="en-US" sz="6000" b="0" cap="none" spc="0" dirty="0">
-                <a:ln w="0"/>
-                <a:effectLst>
-                  <a:outerShdw blurRad="38100" dist="25400" dir="5400000" algn="ctr" rotWithShape="0">
-                    <a:srgbClr val="6E747A">
-                      <a:alpha val="43000"/>
-                    </a:srgbClr>
-                  </a:outerShdw>
-                </a:effectLst>
-              </a:rPr>
-              <a:t>回傳</a:t>
-            </a:r>
-            <a:r>
-              <a:rPr lang="en-US" altLang="zh-TW" sz="6000" b="0" cap="none" spc="0" dirty="0">
-                <a:ln w="0"/>
-                <a:effectLst>
-                  <a:outerShdw blurRad="38100" dist="25400" dir="5400000" algn="ctr" rotWithShape="0">
-                    <a:srgbClr val="6E747A">
-                      <a:alpha val="43000"/>
-                    </a:srgbClr>
-                  </a:outerShdw>
-                </a:effectLst>
-              </a:rPr>
-              <a:t>f(x)=x+1</a:t>
-            </a:r>
-            <a:endParaRPr lang="zh-TW" altLang="en-US" sz="6000" b="0" cap="none" spc="0" dirty="0">
-              <a:ln w="0"/>
-              <a:effectLst>
-                <a:outerShdw blurRad="38100" dist="25400" dir="5400000" algn="ctr" rotWithShape="0">
-                  <a:srgbClr val="6E747A">
-                    <a:alpha val="43000"/>
-                  </a:srgbClr>
-                </a:outerShdw>
-              </a:effectLst>
-            </a:endParaRPr>
+              <a:rPr lang="zh-TW" altLang="en-US" sz="7200" dirty="0"/>
+              <a:t>實習課 </a:t>
+            </a:r>
+            <a:r>
+              <a:rPr lang="en-US" altLang="zh-TW" sz="7200" dirty="0"/>
+              <a:t>Hw2</a:t>
+            </a:r>
+            <a:r>
+              <a:rPr lang="zh-TW" altLang="en-US" sz="7200" dirty="0"/>
+              <a:t> 作業說明</a:t>
+            </a:r>
           </a:p>
         </p:txBody>
       </p:sp>
     </p:spTree>
     <p:extLst>
       <p:ext uri="{BB962C8B-B14F-4D97-AF65-F5344CB8AC3E}">
-        <p14:creationId xmlns:p14="http://schemas.microsoft.com/office/powerpoint/2010/main" val="1972899039"/>
+        <p14:creationId xmlns:p14="http://schemas.microsoft.com/office/powerpoint/2010/main" val="3301420237"/>
       </p:ext>
     </p:extLst>
   </p:cSld>
@@ -5221,6 +5083,219 @@
           <p:cNvPr id="2" name="標題 1">
             <a:extLst>
               <a:ext uri="{FF2B5EF4-FFF2-40B4-BE49-F238E27FC236}">
+                <a16:creationId xmlns:a16="http://schemas.microsoft.com/office/drawing/2014/main" id="{5D7B39E9-2C49-436C-8BDC-8EC0AE464B55}"/>
+              </a:ext>
+            </a:extLst>
+          </p:cNvPr>
+          <p:cNvSpPr>
+            <a:spLocks noGrp="1"/>
+          </p:cNvSpPr>
+          <p:nvPr>
+            <p:ph type="title"/>
+          </p:nvPr>
+        </p:nvSpPr>
+        <p:spPr/>
+        <p:txBody>
+          <a:bodyPr/>
+          <a:lstStyle/>
+          <a:p>
+            <a:pPr algn="ctr"/>
+            <a:r>
+              <a:rPr lang="zh-TW" altLang="en-US" dirty="0"/>
+              <a:t>練習一</a:t>
+            </a:r>
+          </a:p>
+        </p:txBody>
+      </p:sp>
+      <p:pic>
+        <p:nvPicPr>
+          <p:cNvPr id="5" name="內容版面配置區 4">
+            <a:extLst>
+              <a:ext uri="{FF2B5EF4-FFF2-40B4-BE49-F238E27FC236}">
+                <a16:creationId xmlns:a16="http://schemas.microsoft.com/office/drawing/2014/main" id="{087DB1E1-539B-4D7B-B878-ED925EA65FA2}"/>
+              </a:ext>
+            </a:extLst>
+          </p:cNvPr>
+          <p:cNvPicPr>
+            <a:picLocks noGrp="1" noChangeAspect="1"/>
+          </p:cNvPicPr>
+          <p:nvPr>
+            <p:ph idx="1"/>
+          </p:nvPr>
+        </p:nvPicPr>
+        <p:blipFill rotWithShape="1">
+          <a:blip r:embed="rId2">
+            <a:extLst>
+              <a:ext uri="{28A0092B-C50C-407E-A947-70E740481C1C}">
+                <a14:useLocalDpi xmlns:a14="http://schemas.microsoft.com/office/drawing/2010/main" val="0"/>
+              </a:ext>
+            </a:extLst>
+          </a:blip>
+          <a:srcRect t="54159"/>
+          <a:stretch/>
+        </p:blipFill>
+        <p:spPr>
+          <a:xfrm>
+            <a:off x="2946718" y="2304661"/>
+            <a:ext cx="6533183" cy="2767625"/>
+          </a:xfrm>
+        </p:spPr>
+      </p:pic>
+      <p:sp>
+        <p:nvSpPr>
+          <p:cNvPr id="6" name="矩形 5">
+            <a:extLst>
+              <a:ext uri="{FF2B5EF4-FFF2-40B4-BE49-F238E27FC236}">
+                <a16:creationId xmlns:a16="http://schemas.microsoft.com/office/drawing/2014/main" id="{39E2A8ED-BB86-434D-B8D6-F27BD0ADCD5B}"/>
+              </a:ext>
+            </a:extLst>
+          </p:cNvPr>
+          <p:cNvSpPr/>
+          <p:nvPr/>
+        </p:nvSpPr>
+        <p:spPr>
+          <a:xfrm>
+            <a:off x="1694527" y="5244004"/>
+            <a:ext cx="8560357" cy="1015663"/>
+          </a:xfrm>
+          <a:prstGeom prst="rect">
+            <a:avLst/>
+          </a:prstGeom>
+          <a:noFill/>
+        </p:spPr>
+        <p:txBody>
+          <a:bodyPr wrap="none" lIns="91440" tIns="45720" rIns="91440" bIns="45720">
+            <a:spAutoFit/>
+          </a:bodyPr>
+          <a:lstStyle/>
+          <a:p>
+            <a:pPr algn="ctr"/>
+            <a:r>
+              <a:rPr lang="zh-TW" altLang="en-US" sz="6000" b="0" cap="none" spc="0" dirty="0">
+                <a:ln w="0"/>
+                <a:effectLst>
+                  <a:outerShdw blurRad="38100" dist="25400" dir="5400000" algn="ctr" rotWithShape="0">
+                    <a:srgbClr val="6E747A">
+                      <a:alpha val="43000"/>
+                    </a:srgbClr>
+                  </a:outerShdw>
+                </a:effectLst>
+              </a:rPr>
+              <a:t>完成</a:t>
+            </a:r>
+            <a:r>
+              <a:rPr lang="en-US" altLang="zh-TW" sz="6000" b="0" cap="none" spc="0" dirty="0">
+                <a:ln w="0"/>
+                <a:effectLst>
+                  <a:outerShdw blurRad="38100" dist="25400" dir="5400000" algn="ctr" rotWithShape="0">
+                    <a:srgbClr val="6E747A">
+                      <a:alpha val="43000"/>
+                    </a:srgbClr>
+                  </a:outerShdw>
+                </a:effectLst>
+              </a:rPr>
+              <a:t>f</a:t>
+            </a:r>
+            <a:r>
+              <a:rPr lang="zh-TW" altLang="en-US" sz="6000" b="0" cap="none" spc="0" dirty="0">
+                <a:ln w="0"/>
+                <a:effectLst>
+                  <a:outerShdw blurRad="38100" dist="25400" dir="5400000" algn="ctr" rotWithShape="0">
+                    <a:srgbClr val="6E747A">
+                      <a:alpha val="43000"/>
+                    </a:srgbClr>
+                  </a:outerShdw>
+                </a:effectLst>
+              </a:rPr>
+              <a:t>函數</a:t>
+            </a:r>
+            <a:r>
+              <a:rPr lang="en-US" altLang="zh-TW" sz="6000" dirty="0">
+                <a:ln w="0"/>
+                <a:effectLst>
+                  <a:outerShdw blurRad="38100" dist="25400" dir="5400000" algn="ctr" rotWithShape="0">
+                    <a:srgbClr val="6E747A">
+                      <a:alpha val="43000"/>
+                    </a:srgbClr>
+                  </a:outerShdw>
+                </a:effectLst>
+              </a:rPr>
+              <a:t>=&gt;</a:t>
+            </a:r>
+            <a:r>
+              <a:rPr lang="zh-TW" altLang="en-US" sz="6000" b="0" cap="none" spc="0" dirty="0">
+                <a:ln w="0"/>
+                <a:effectLst>
+                  <a:outerShdw blurRad="38100" dist="25400" dir="5400000" algn="ctr" rotWithShape="0">
+                    <a:srgbClr val="6E747A">
+                      <a:alpha val="43000"/>
+                    </a:srgbClr>
+                  </a:outerShdw>
+                </a:effectLst>
+              </a:rPr>
+              <a:t>回傳</a:t>
+            </a:r>
+            <a:r>
+              <a:rPr lang="en-US" altLang="zh-TW" sz="6000" b="0" cap="none" spc="0" dirty="0">
+                <a:ln w="0"/>
+                <a:effectLst>
+                  <a:outerShdw blurRad="38100" dist="25400" dir="5400000" algn="ctr" rotWithShape="0">
+                    <a:srgbClr val="6E747A">
+                      <a:alpha val="43000"/>
+                    </a:srgbClr>
+                  </a:outerShdw>
+                </a:effectLst>
+              </a:rPr>
+              <a:t>f(x)=x+1</a:t>
+            </a:r>
+            <a:endParaRPr lang="zh-TW" altLang="en-US" sz="6000" b="0" cap="none" spc="0" dirty="0">
+              <a:ln w="0"/>
+              <a:effectLst>
+                <a:outerShdw blurRad="38100" dist="25400" dir="5400000" algn="ctr" rotWithShape="0">
+                  <a:srgbClr val="6E747A">
+                    <a:alpha val="43000"/>
+                  </a:srgbClr>
+                </a:outerShdw>
+              </a:effectLst>
+            </a:endParaRPr>
+          </a:p>
+        </p:txBody>
+      </p:sp>
+    </p:spTree>
+    <p:extLst>
+      <p:ext uri="{BB962C8B-B14F-4D97-AF65-F5344CB8AC3E}">
+        <p14:creationId xmlns:p14="http://schemas.microsoft.com/office/powerpoint/2010/main" val="1972899039"/>
+      </p:ext>
+    </p:extLst>
+  </p:cSld>
+  <p:clrMapOvr>
+    <a:masterClrMapping/>
+  </p:clrMapOvr>
+</p:sld>
+</file>
+
+<file path=ppt/slides/slide17.xml><?xml version="1.0" encoding="utf-8"?>
+<p:sld xmlns:a="http://schemas.openxmlformats.org/drawingml/2006/main" xmlns:r="http://schemas.openxmlformats.org/officeDocument/2006/relationships" xmlns:p="http://schemas.openxmlformats.org/presentationml/2006/main">
+  <p:cSld>
+    <p:spTree>
+      <p:nvGrpSpPr>
+        <p:cNvPr id="1" name=""/>
+        <p:cNvGrpSpPr/>
+        <p:nvPr/>
+      </p:nvGrpSpPr>
+      <p:grpSpPr>
+        <a:xfrm>
+          <a:off x="0" y="0"/>
+          <a:ext cx="0" cy="0"/>
+          <a:chOff x="0" y="0"/>
+          <a:chExt cx="0" cy="0"/>
+        </a:xfrm>
+      </p:grpSpPr>
+      <p:sp>
+        <p:nvSpPr>
+          <p:cNvPr id="2" name="標題 1">
+            <a:extLst>
+              <a:ext uri="{FF2B5EF4-FFF2-40B4-BE49-F238E27FC236}">
                 <a16:creationId xmlns:a16="http://schemas.microsoft.com/office/drawing/2014/main" id="{010B10C0-8B63-404F-A811-641FA6B2863B}"/>
               </a:ext>
             </a:extLst>
@@ -5289,7 +5364,7 @@
 </p:sld>
 </file>
 
-<file path=ppt/slides/slide17.xml><?xml version="1.0" encoding="utf-8"?>
+<file path=ppt/slides/slide18.xml><?xml version="1.0" encoding="utf-8"?>
 <p:sld xmlns:a="http://schemas.openxmlformats.org/drawingml/2006/main" xmlns:r="http://schemas.openxmlformats.org/officeDocument/2006/relationships" xmlns:p="http://schemas.openxmlformats.org/presentationml/2006/main">
   <p:cSld>
     <p:spTree>
@@ -5422,96 +5497,6 @@
 </p:sld>
 </file>
 
-<file path=ppt/slides/slide18.xml><?xml version="1.0" encoding="utf-8"?>
-<p:sld xmlns:a="http://schemas.openxmlformats.org/drawingml/2006/main" xmlns:r="http://schemas.openxmlformats.org/officeDocument/2006/relationships" xmlns:p="http://schemas.openxmlformats.org/presentationml/2006/main">
-  <p:cSld>
-    <p:spTree>
-      <p:nvGrpSpPr>
-        <p:cNvPr id="1" name=""/>
-        <p:cNvGrpSpPr/>
-        <p:nvPr/>
-      </p:nvGrpSpPr>
-      <p:grpSpPr>
-        <a:xfrm>
-          <a:off x="0" y="0"/>
-          <a:ext cx="0" cy="0"/>
-          <a:chOff x="0" y="0"/>
-          <a:chExt cx="0" cy="0"/>
-        </a:xfrm>
-      </p:grpSpPr>
-      <p:sp>
-        <p:nvSpPr>
-          <p:cNvPr id="2" name="標題 1">
-            <a:extLst>
-              <a:ext uri="{FF2B5EF4-FFF2-40B4-BE49-F238E27FC236}">
-                <a16:creationId xmlns:a16="http://schemas.microsoft.com/office/drawing/2014/main" id="{47B48174-9435-41C8-B267-9696708DCDA7}"/>
-              </a:ext>
-            </a:extLst>
-          </p:cNvPr>
-          <p:cNvSpPr>
-            <a:spLocks noGrp="1"/>
-          </p:cNvSpPr>
-          <p:nvPr>
-            <p:ph type="title"/>
-          </p:nvPr>
-        </p:nvSpPr>
-        <p:spPr/>
-        <p:txBody>
-          <a:bodyPr/>
-          <a:lstStyle/>
-          <a:p>
-            <a:endParaRPr lang="zh-TW" altLang="en-US"/>
-          </a:p>
-        </p:txBody>
-      </p:sp>
-      <p:pic>
-        <p:nvPicPr>
-          <p:cNvPr id="6" name="內容版面配置區 5">
-            <a:extLst>
-              <a:ext uri="{FF2B5EF4-FFF2-40B4-BE49-F238E27FC236}">
-                <a16:creationId xmlns:a16="http://schemas.microsoft.com/office/drawing/2014/main" id="{86B644E9-227A-4C31-AA6F-6CAAC92E46B4}"/>
-              </a:ext>
-            </a:extLst>
-          </p:cNvPr>
-          <p:cNvPicPr>
-            <a:picLocks noGrp="1" noChangeAspect="1"/>
-          </p:cNvPicPr>
-          <p:nvPr>
-            <p:ph idx="1"/>
-          </p:nvPr>
-        </p:nvPicPr>
-        <p:blipFill>
-          <a:blip r:embed="rId2">
-            <a:extLst>
-              <a:ext uri="{28A0092B-C50C-407E-A947-70E740481C1C}">
-                <a14:useLocalDpi xmlns:a14="http://schemas.microsoft.com/office/drawing/2010/main" val="0"/>
-              </a:ext>
-            </a:extLst>
-          </a:blip>
-          <a:stretch>
-            <a:fillRect/>
-          </a:stretch>
-        </p:blipFill>
-        <p:spPr>
-          <a:xfrm>
-            <a:off x="2087514" y="862426"/>
-            <a:ext cx="8016971" cy="5415344"/>
-          </a:xfrm>
-        </p:spPr>
-      </p:pic>
-    </p:spTree>
-    <p:extLst>
-      <p:ext uri="{BB962C8B-B14F-4D97-AF65-F5344CB8AC3E}">
-        <p14:creationId xmlns:p14="http://schemas.microsoft.com/office/powerpoint/2010/main" val="1598684943"/>
-      </p:ext>
-    </p:extLst>
-  </p:cSld>
-  <p:clrMapOvr>
-    <a:masterClrMapping/>
-  </p:clrMapOvr>
-</p:sld>
-</file>
-
 <file path=ppt/slides/slide19.xml><?xml version="1.0" encoding="utf-8"?>
 <p:sld xmlns:a="http://schemas.openxmlformats.org/drawingml/2006/main" xmlns:r="http://schemas.openxmlformats.org/officeDocument/2006/relationships" xmlns:p="http://schemas.openxmlformats.org/presentationml/2006/main">
   <p:cSld>
@@ -5534,7 +5519,7 @@
           <p:cNvPr id="2" name="標題 1">
             <a:extLst>
               <a:ext uri="{FF2B5EF4-FFF2-40B4-BE49-F238E27FC236}">
-                <a16:creationId xmlns:a16="http://schemas.microsoft.com/office/drawing/2014/main" id="{F8B55B00-E0F3-44F4-9551-94B7F4D47143}"/>
+                <a16:creationId xmlns:a16="http://schemas.microsoft.com/office/drawing/2014/main" id="{47B48174-9435-41C8-B267-9696708DCDA7}"/>
               </a:ext>
             </a:extLst>
           </p:cNvPr>
@@ -5550,66 +5535,25 @@
           <a:bodyPr/>
           <a:lstStyle/>
           <a:p>
-            <a:pPr algn="ctr"/>
-            <a:r>
-              <a:rPr lang="zh-TW" altLang="en-US" dirty="0"/>
-              <a:t>練習三</a:t>
-            </a:r>
-          </a:p>
-        </p:txBody>
-      </p:sp>
-      <p:sp>
-        <p:nvSpPr>
-          <p:cNvPr id="3" name="內容版面配置區 2">
-            <a:extLst>
-              <a:ext uri="{FF2B5EF4-FFF2-40B4-BE49-F238E27FC236}">
-                <a16:creationId xmlns:a16="http://schemas.microsoft.com/office/drawing/2014/main" id="{D14D5386-34C6-4270-9A1E-852B316D53EE}"/>
-              </a:ext>
-            </a:extLst>
-          </p:cNvPr>
-          <p:cNvSpPr>
-            <a:spLocks noGrp="1"/>
-          </p:cNvSpPr>
-          <p:nvPr>
-            <p:ph idx="1"/>
-          </p:nvPr>
-        </p:nvSpPr>
-        <p:spPr/>
-        <p:txBody>
-          <a:bodyPr/>
-          <a:lstStyle/>
-          <a:p>
-            <a:r>
-              <a:rPr lang="zh-TW" altLang="en-US" sz="3600" dirty="0"/>
-              <a:t>改寫練習二，試寫一函數名</a:t>
-            </a:r>
-            <a:r>
-              <a:rPr lang="en-US" altLang="zh-TW" sz="3600" dirty="0"/>
-              <a:t>min</a:t>
-            </a:r>
-            <a:r>
-              <a:rPr lang="zh-TW" altLang="en-US" sz="3600" dirty="0"/>
-              <a:t>，此函數輸出兩數中較小的數。</a:t>
-            </a:r>
-          </a:p>
-          <a:p>
-            <a:endParaRPr lang="zh-TW" altLang="en-US" dirty="0"/>
+            <a:endParaRPr lang="zh-TW" altLang="en-US"/>
           </a:p>
         </p:txBody>
       </p:sp>
       <p:pic>
         <p:nvPicPr>
-          <p:cNvPr id="7" name="圖片 6">
-            <a:extLst>
-              <a:ext uri="{FF2B5EF4-FFF2-40B4-BE49-F238E27FC236}">
-                <a16:creationId xmlns:a16="http://schemas.microsoft.com/office/drawing/2014/main" id="{5FC17761-D637-43CE-B36F-205E109FA987}"/>
+          <p:cNvPr id="6" name="內容版面配置區 5">
+            <a:extLst>
+              <a:ext uri="{FF2B5EF4-FFF2-40B4-BE49-F238E27FC236}">
+                <a16:creationId xmlns:a16="http://schemas.microsoft.com/office/drawing/2014/main" id="{86B644E9-227A-4C31-AA6F-6CAAC92E46B4}"/>
               </a:ext>
             </a:extLst>
           </p:cNvPr>
           <p:cNvPicPr>
-            <a:picLocks noChangeAspect="1"/>
+            <a:picLocks noGrp="1" noChangeAspect="1"/>
           </p:cNvPicPr>
-          <p:nvPr/>
+          <p:nvPr>
+            <p:ph idx="1"/>
+          </p:nvPr>
         </p:nvPicPr>
         <p:blipFill>
           <a:blip r:embed="rId2">
@@ -5625,18 +5569,15 @@
         </p:blipFill>
         <p:spPr>
           <a:xfrm>
-            <a:off x="4612017" y="2874598"/>
-            <a:ext cx="3849750" cy="3618277"/>
+            <a:off x="2087514" y="862426"/>
+            <a:ext cx="8016971" cy="5415344"/>
           </a:xfrm>
-          <a:prstGeom prst="rect">
-            <a:avLst/>
-          </a:prstGeom>
         </p:spPr>
       </p:pic>
     </p:spTree>
     <p:extLst>
       <p:ext uri="{BB962C8B-B14F-4D97-AF65-F5344CB8AC3E}">
-        <p14:creationId xmlns:p14="http://schemas.microsoft.com/office/powerpoint/2010/main" val="324712862"/>
+        <p14:creationId xmlns:p14="http://schemas.microsoft.com/office/powerpoint/2010/main" val="1598684943"/>
       </p:ext>
     </p:extLst>
   </p:cSld>
@@ -5783,6 +5724,140 @@
           <p:cNvPr id="2" name="標題 1">
             <a:extLst>
               <a:ext uri="{FF2B5EF4-FFF2-40B4-BE49-F238E27FC236}">
+                <a16:creationId xmlns:a16="http://schemas.microsoft.com/office/drawing/2014/main" id="{F8B55B00-E0F3-44F4-9551-94B7F4D47143}"/>
+              </a:ext>
+            </a:extLst>
+          </p:cNvPr>
+          <p:cNvSpPr>
+            <a:spLocks noGrp="1"/>
+          </p:cNvSpPr>
+          <p:nvPr>
+            <p:ph type="title"/>
+          </p:nvPr>
+        </p:nvSpPr>
+        <p:spPr/>
+        <p:txBody>
+          <a:bodyPr/>
+          <a:lstStyle/>
+          <a:p>
+            <a:pPr algn="ctr"/>
+            <a:r>
+              <a:rPr lang="zh-TW" altLang="en-US" dirty="0"/>
+              <a:t>練習三</a:t>
+            </a:r>
+          </a:p>
+        </p:txBody>
+      </p:sp>
+      <p:sp>
+        <p:nvSpPr>
+          <p:cNvPr id="3" name="內容版面配置區 2">
+            <a:extLst>
+              <a:ext uri="{FF2B5EF4-FFF2-40B4-BE49-F238E27FC236}">
+                <a16:creationId xmlns:a16="http://schemas.microsoft.com/office/drawing/2014/main" id="{D14D5386-34C6-4270-9A1E-852B316D53EE}"/>
+              </a:ext>
+            </a:extLst>
+          </p:cNvPr>
+          <p:cNvSpPr>
+            <a:spLocks noGrp="1"/>
+          </p:cNvSpPr>
+          <p:nvPr>
+            <p:ph idx="1"/>
+          </p:nvPr>
+        </p:nvSpPr>
+        <p:spPr/>
+        <p:txBody>
+          <a:bodyPr/>
+          <a:lstStyle/>
+          <a:p>
+            <a:r>
+              <a:rPr lang="zh-TW" altLang="en-US" sz="3600" dirty="0"/>
+              <a:t>改寫練習二，試寫一函數名</a:t>
+            </a:r>
+            <a:r>
+              <a:rPr lang="en-US" altLang="zh-TW" sz="3600" dirty="0"/>
+              <a:t>min</a:t>
+            </a:r>
+            <a:r>
+              <a:rPr lang="zh-TW" altLang="en-US" sz="3600" dirty="0"/>
+              <a:t>，此函數輸出兩數中較小的數。</a:t>
+            </a:r>
+          </a:p>
+          <a:p>
+            <a:endParaRPr lang="zh-TW" altLang="en-US" dirty="0"/>
+          </a:p>
+        </p:txBody>
+      </p:sp>
+      <p:pic>
+        <p:nvPicPr>
+          <p:cNvPr id="7" name="圖片 6">
+            <a:extLst>
+              <a:ext uri="{FF2B5EF4-FFF2-40B4-BE49-F238E27FC236}">
+                <a16:creationId xmlns:a16="http://schemas.microsoft.com/office/drawing/2014/main" id="{5FC17761-D637-43CE-B36F-205E109FA987}"/>
+              </a:ext>
+            </a:extLst>
+          </p:cNvPr>
+          <p:cNvPicPr>
+            <a:picLocks noChangeAspect="1"/>
+          </p:cNvPicPr>
+          <p:nvPr/>
+        </p:nvPicPr>
+        <p:blipFill>
+          <a:blip r:embed="rId2">
+            <a:extLst>
+              <a:ext uri="{28A0092B-C50C-407E-A947-70E740481C1C}">
+                <a14:useLocalDpi xmlns:a14="http://schemas.microsoft.com/office/drawing/2010/main" val="0"/>
+              </a:ext>
+            </a:extLst>
+          </a:blip>
+          <a:stretch>
+            <a:fillRect/>
+          </a:stretch>
+        </p:blipFill>
+        <p:spPr>
+          <a:xfrm>
+            <a:off x="4612017" y="2874598"/>
+            <a:ext cx="3849750" cy="3618277"/>
+          </a:xfrm>
+          <a:prstGeom prst="rect">
+            <a:avLst/>
+          </a:prstGeom>
+        </p:spPr>
+      </p:pic>
+    </p:spTree>
+    <p:extLst>
+      <p:ext uri="{BB962C8B-B14F-4D97-AF65-F5344CB8AC3E}">
+        <p14:creationId xmlns:p14="http://schemas.microsoft.com/office/powerpoint/2010/main" val="324712862"/>
+      </p:ext>
+    </p:extLst>
+  </p:cSld>
+  <p:clrMapOvr>
+    <a:masterClrMapping/>
+  </p:clrMapOvr>
+</p:sld>
+</file>
+
+<file path=ppt/slides/slide21.xml><?xml version="1.0" encoding="utf-8"?>
+<p:sld xmlns:a="http://schemas.openxmlformats.org/drawingml/2006/main" xmlns:r="http://schemas.openxmlformats.org/officeDocument/2006/relationships" xmlns:p="http://schemas.openxmlformats.org/presentationml/2006/main">
+  <p:cSld>
+    <p:spTree>
+      <p:nvGrpSpPr>
+        <p:cNvPr id="1" name=""/>
+        <p:cNvGrpSpPr/>
+        <p:nvPr/>
+      </p:nvGrpSpPr>
+      <p:grpSpPr>
+        <a:xfrm>
+          <a:off x="0" y="0"/>
+          <a:ext cx="0" cy="0"/>
+          <a:chOff x="0" y="0"/>
+          <a:chExt cx="0" cy="0"/>
+        </a:xfrm>
+      </p:grpSpPr>
+      <p:sp>
+        <p:nvSpPr>
+          <p:cNvPr id="2" name="標題 1">
+            <a:extLst>
+              <a:ext uri="{FF2B5EF4-FFF2-40B4-BE49-F238E27FC236}">
                 <a16:creationId xmlns:a16="http://schemas.microsoft.com/office/drawing/2014/main" id="{68DE8085-36D9-4433-B602-A7D912BCE42B}"/>
               </a:ext>
             </a:extLst>
@@ -5877,7 +5952,7 @@
 </p:sld>
 </file>
 
-<file path=ppt/slides/slide21.xml><?xml version="1.0" encoding="utf-8"?>
+<file path=ppt/slides/slide22.xml><?xml version="1.0" encoding="utf-8"?>
 <p:sld xmlns:a="http://schemas.openxmlformats.org/drawingml/2006/main" xmlns:r="http://schemas.openxmlformats.org/officeDocument/2006/relationships" xmlns:p="http://schemas.openxmlformats.org/presentationml/2006/main">
   <p:cSld>
     <p:spTree>
@@ -6011,7 +6086,7 @@
 </p:sld>
 </file>
 
-<file path=ppt/slides/slide22.xml><?xml version="1.0" encoding="utf-8"?>
+<file path=ppt/slides/slide23.xml><?xml version="1.0" encoding="utf-8"?>
 <p:sld xmlns:a="http://schemas.openxmlformats.org/drawingml/2006/main" xmlns:r="http://schemas.openxmlformats.org/officeDocument/2006/relationships" xmlns:p="http://schemas.openxmlformats.org/presentationml/2006/main">
   <p:cSld>
     <p:spTree>

--- a/practical_class/class_ppt/0331程一實習.pptx
+++ b/practical_class/class_ppt/0331程一實習.pptx
@@ -231,7 +231,7 @@
           <a:p>
             <a:fld id="{4A026C94-271D-49A1-BABA-212293D723B7}" type="datetimeFigureOut">
               <a:rPr lang="zh-TW" altLang="en-US" smtClean="0"/>
-              <a:t>2022/3/30</a:t>
+              <a:t>2022/3/31</a:t>
             </a:fld>
             <a:endParaRPr lang="zh-TW" altLang="en-US"/>
           </a:p>
@@ -819,7 +819,7 @@
           <a:p>
             <a:fld id="{EC09F29B-51DF-41BF-B9C1-3A09295E2F91}" type="datetimeFigureOut">
               <a:rPr lang="zh-TW" altLang="en-US" smtClean="0"/>
-              <a:t>2022/3/30</a:t>
+              <a:t>2022/3/31</a:t>
             </a:fld>
             <a:endParaRPr lang="zh-TW" altLang="en-US"/>
           </a:p>
@@ -1017,7 +1017,7 @@
           <a:p>
             <a:fld id="{EC09F29B-51DF-41BF-B9C1-3A09295E2F91}" type="datetimeFigureOut">
               <a:rPr lang="zh-TW" altLang="en-US" smtClean="0"/>
-              <a:t>2022/3/30</a:t>
+              <a:t>2022/3/31</a:t>
             </a:fld>
             <a:endParaRPr lang="zh-TW" altLang="en-US"/>
           </a:p>
@@ -1225,7 +1225,7 @@
           <a:p>
             <a:fld id="{EC09F29B-51DF-41BF-B9C1-3A09295E2F91}" type="datetimeFigureOut">
               <a:rPr lang="zh-TW" altLang="en-US" smtClean="0"/>
-              <a:t>2022/3/30</a:t>
+              <a:t>2022/3/31</a:t>
             </a:fld>
             <a:endParaRPr lang="zh-TW" altLang="en-US"/>
           </a:p>
@@ -1423,7 +1423,7 @@
           <a:p>
             <a:fld id="{EC09F29B-51DF-41BF-B9C1-3A09295E2F91}" type="datetimeFigureOut">
               <a:rPr lang="zh-TW" altLang="en-US" smtClean="0"/>
-              <a:t>2022/3/30</a:t>
+              <a:t>2022/3/31</a:t>
             </a:fld>
             <a:endParaRPr lang="zh-TW" altLang="en-US"/>
           </a:p>
@@ -1698,7 +1698,7 @@
           <a:p>
             <a:fld id="{EC09F29B-51DF-41BF-B9C1-3A09295E2F91}" type="datetimeFigureOut">
               <a:rPr lang="zh-TW" altLang="en-US" smtClean="0"/>
-              <a:t>2022/3/30</a:t>
+              <a:t>2022/3/31</a:t>
             </a:fld>
             <a:endParaRPr lang="zh-TW" altLang="en-US"/>
           </a:p>
@@ -1963,7 +1963,7 @@
           <a:p>
             <a:fld id="{EC09F29B-51DF-41BF-B9C1-3A09295E2F91}" type="datetimeFigureOut">
               <a:rPr lang="zh-TW" altLang="en-US" smtClean="0"/>
-              <a:t>2022/3/30</a:t>
+              <a:t>2022/3/31</a:t>
             </a:fld>
             <a:endParaRPr lang="zh-TW" altLang="en-US"/>
           </a:p>
@@ -2375,7 +2375,7 @@
           <a:p>
             <a:fld id="{EC09F29B-51DF-41BF-B9C1-3A09295E2F91}" type="datetimeFigureOut">
               <a:rPr lang="zh-TW" altLang="en-US" smtClean="0"/>
-              <a:t>2022/3/30</a:t>
+              <a:t>2022/3/31</a:t>
             </a:fld>
             <a:endParaRPr lang="zh-TW" altLang="en-US"/>
           </a:p>
@@ -2516,7 +2516,7 @@
           <a:p>
             <a:fld id="{EC09F29B-51DF-41BF-B9C1-3A09295E2F91}" type="datetimeFigureOut">
               <a:rPr lang="zh-TW" altLang="en-US" smtClean="0"/>
-              <a:t>2022/3/30</a:t>
+              <a:t>2022/3/31</a:t>
             </a:fld>
             <a:endParaRPr lang="zh-TW" altLang="en-US"/>
           </a:p>
@@ -2629,7 +2629,7 @@
           <a:p>
             <a:fld id="{EC09F29B-51DF-41BF-B9C1-3A09295E2F91}" type="datetimeFigureOut">
               <a:rPr lang="zh-TW" altLang="en-US" smtClean="0"/>
-              <a:t>2022/3/30</a:t>
+              <a:t>2022/3/31</a:t>
             </a:fld>
             <a:endParaRPr lang="zh-TW" altLang="en-US"/>
           </a:p>
@@ -2940,7 +2940,7 @@
           <a:p>
             <a:fld id="{EC09F29B-51DF-41BF-B9C1-3A09295E2F91}" type="datetimeFigureOut">
               <a:rPr lang="zh-TW" altLang="en-US" smtClean="0"/>
-              <a:t>2022/3/30</a:t>
+              <a:t>2022/3/31</a:t>
             </a:fld>
             <a:endParaRPr lang="zh-TW" altLang="en-US"/>
           </a:p>
@@ -3228,7 +3228,7 @@
           <a:p>
             <a:fld id="{EC09F29B-51DF-41BF-B9C1-3A09295E2F91}" type="datetimeFigureOut">
               <a:rPr lang="zh-TW" altLang="en-US" smtClean="0"/>
-              <a:t>2022/3/30</a:t>
+              <a:t>2022/3/31</a:t>
             </a:fld>
             <a:endParaRPr lang="zh-TW" altLang="en-US"/>
           </a:p>
@@ -3469,7 +3469,7 @@
           <a:p>
             <a:fld id="{EC09F29B-51DF-41BF-B9C1-3A09295E2F91}" type="datetimeFigureOut">
               <a:rPr lang="zh-TW" altLang="en-US" smtClean="0"/>
-              <a:t>2022/3/30</a:t>
+              <a:t>2022/3/31</a:t>
             </a:fld>
             <a:endParaRPr lang="zh-TW" altLang="en-US"/>
           </a:p>
@@ -4332,6 +4332,250 @@
                 </a:effectLst>
               </a:rPr>
               <a:t>func</a:t>
+            </a:r>
+            <a:endParaRPr lang="zh-TW" altLang="en-US" sz="5400" b="0" cap="none" spc="0" dirty="0">
+              <a:ln w="0"/>
+              <a:solidFill>
+                <a:schemeClr val="accent1"/>
+              </a:solidFill>
+              <a:effectLst>
+                <a:outerShdw blurRad="38100" dist="25400" dir="5400000" algn="ctr" rotWithShape="0">
+                  <a:srgbClr val="6E747A">
+                    <a:alpha val="43000"/>
+                  </a:srgbClr>
+                </a:outerShdw>
+              </a:effectLst>
+            </a:endParaRPr>
+          </a:p>
+        </p:txBody>
+      </p:sp>
+      <p:sp>
+        <p:nvSpPr>
+          <p:cNvPr id="2" name="矩形 1">
+            <a:extLst>
+              <a:ext uri="{FF2B5EF4-FFF2-40B4-BE49-F238E27FC236}">
+                <a16:creationId xmlns:a16="http://schemas.microsoft.com/office/drawing/2014/main" id="{AD1043BB-103C-4EEF-8EBB-E5FE81D398B5}"/>
+              </a:ext>
+            </a:extLst>
+          </p:cNvPr>
+          <p:cNvSpPr/>
+          <p:nvPr/>
+        </p:nvSpPr>
+        <p:spPr>
+          <a:xfrm>
+            <a:off x="3960934" y="1563078"/>
+            <a:ext cx="516488" cy="923330"/>
+          </a:xfrm>
+          <a:prstGeom prst="rect">
+            <a:avLst/>
+          </a:prstGeom>
+          <a:noFill/>
+        </p:spPr>
+        <p:txBody>
+          <a:bodyPr wrap="none" lIns="91440" tIns="45720" rIns="91440" bIns="45720">
+            <a:spAutoFit/>
+          </a:bodyPr>
+          <a:lstStyle/>
+          <a:p>
+            <a:pPr algn="ctr"/>
+            <a:r>
+              <a:rPr lang="en-US" altLang="zh-TW" sz="5400" b="0" cap="none" spc="0" dirty="0">
+                <a:ln w="0"/>
+                <a:solidFill>
+                  <a:schemeClr val="accent1"/>
+                </a:solidFill>
+                <a:effectLst>
+                  <a:outerShdw blurRad="38100" dist="25400" dir="5400000" algn="ctr" rotWithShape="0">
+                    <a:srgbClr val="6E747A">
+                      <a:alpha val="43000"/>
+                    </a:srgbClr>
+                  </a:outerShdw>
+                </a:effectLst>
+              </a:rPr>
+              <a:t>a</a:t>
+            </a:r>
+            <a:endParaRPr lang="zh-TW" altLang="en-US" sz="5400" b="0" cap="none" spc="0" dirty="0">
+              <a:ln w="0"/>
+              <a:solidFill>
+                <a:schemeClr val="accent1"/>
+              </a:solidFill>
+              <a:effectLst>
+                <a:outerShdw blurRad="38100" dist="25400" dir="5400000" algn="ctr" rotWithShape="0">
+                  <a:srgbClr val="6E747A">
+                    <a:alpha val="43000"/>
+                  </a:srgbClr>
+                </a:outerShdw>
+              </a:effectLst>
+            </a:endParaRPr>
+          </a:p>
+        </p:txBody>
+      </p:sp>
+      <p:sp>
+        <p:nvSpPr>
+          <p:cNvPr id="10" name="矩形 9">
+            <a:extLst>
+              <a:ext uri="{FF2B5EF4-FFF2-40B4-BE49-F238E27FC236}">
+                <a16:creationId xmlns:a16="http://schemas.microsoft.com/office/drawing/2014/main" id="{308EAD8E-B86A-4A0C-ADD3-93F4A40CAB6F}"/>
+              </a:ext>
+            </a:extLst>
+          </p:cNvPr>
+          <p:cNvSpPr/>
+          <p:nvPr/>
+        </p:nvSpPr>
+        <p:spPr>
+          <a:xfrm>
+            <a:off x="9626082" y="1418253"/>
+            <a:ext cx="516488" cy="923330"/>
+          </a:xfrm>
+          <a:prstGeom prst="rect">
+            <a:avLst/>
+          </a:prstGeom>
+          <a:noFill/>
+        </p:spPr>
+        <p:txBody>
+          <a:bodyPr wrap="none" lIns="91440" tIns="45720" rIns="91440" bIns="45720">
+            <a:spAutoFit/>
+          </a:bodyPr>
+          <a:lstStyle/>
+          <a:p>
+            <a:pPr algn="ctr"/>
+            <a:r>
+              <a:rPr lang="en-US" altLang="zh-TW" sz="5400" b="0" cap="none" spc="0" dirty="0">
+                <a:ln w="0"/>
+                <a:solidFill>
+                  <a:schemeClr val="accent1"/>
+                </a:solidFill>
+                <a:effectLst>
+                  <a:outerShdw blurRad="38100" dist="25400" dir="5400000" algn="ctr" rotWithShape="0">
+                    <a:srgbClr val="6E747A">
+                      <a:alpha val="43000"/>
+                    </a:srgbClr>
+                  </a:outerShdw>
+                </a:effectLst>
+              </a:rPr>
+              <a:t>a</a:t>
+            </a:r>
+            <a:endParaRPr lang="zh-TW" altLang="en-US" sz="5400" b="0" cap="none" spc="0" dirty="0">
+              <a:ln w="0"/>
+              <a:solidFill>
+                <a:schemeClr val="accent1"/>
+              </a:solidFill>
+              <a:effectLst>
+                <a:outerShdw blurRad="38100" dist="25400" dir="5400000" algn="ctr" rotWithShape="0">
+                  <a:srgbClr val="6E747A">
+                    <a:alpha val="43000"/>
+                  </a:srgbClr>
+                </a:outerShdw>
+              </a:effectLst>
+            </a:endParaRPr>
+          </a:p>
+        </p:txBody>
+      </p:sp>
+      <p:sp>
+        <p:nvSpPr>
+          <p:cNvPr id="11" name="矩形 10">
+            <a:extLst>
+              <a:ext uri="{FF2B5EF4-FFF2-40B4-BE49-F238E27FC236}">
+                <a16:creationId xmlns:a16="http://schemas.microsoft.com/office/drawing/2014/main" id="{E625898D-B7BA-4580-9E30-9536F17522B3}"/>
+              </a:ext>
+            </a:extLst>
+          </p:cNvPr>
+          <p:cNvSpPr/>
+          <p:nvPr/>
+        </p:nvSpPr>
+        <p:spPr>
+          <a:xfrm>
+            <a:off x="4005465" y="4316963"/>
+            <a:ext cx="548548" cy="923330"/>
+          </a:xfrm>
+          <a:prstGeom prst="rect">
+            <a:avLst/>
+          </a:prstGeom>
+          <a:noFill/>
+        </p:spPr>
+        <p:txBody>
+          <a:bodyPr wrap="none" lIns="91440" tIns="45720" rIns="91440" bIns="45720">
+            <a:spAutoFit/>
+          </a:bodyPr>
+          <a:lstStyle/>
+          <a:p>
+            <a:pPr algn="ctr"/>
+            <a:r>
+              <a:rPr lang="en-US" altLang="zh-TW" sz="5400" b="0" cap="none" spc="0" dirty="0">
+                <a:ln w="0"/>
+                <a:solidFill>
+                  <a:schemeClr val="accent1"/>
+                </a:solidFill>
+                <a:effectLst>
+                  <a:outerShdw blurRad="38100" dist="25400" dir="5400000" algn="ctr" rotWithShape="0">
+                    <a:srgbClr val="6E747A">
+                      <a:alpha val="43000"/>
+                    </a:srgbClr>
+                  </a:outerShdw>
+                </a:effectLst>
+              </a:rPr>
+              <a:t>b</a:t>
+            </a:r>
+            <a:endParaRPr lang="zh-TW" altLang="en-US" sz="5400" b="0" cap="none" spc="0" dirty="0">
+              <a:ln w="0"/>
+              <a:solidFill>
+                <a:schemeClr val="accent1"/>
+              </a:solidFill>
+              <a:effectLst>
+                <a:outerShdw blurRad="38100" dist="25400" dir="5400000" algn="ctr" rotWithShape="0">
+                  <a:srgbClr val="6E747A">
+                    <a:alpha val="43000"/>
+                  </a:srgbClr>
+                </a:outerShdw>
+              </a:effectLst>
+            </a:endParaRPr>
+          </a:p>
+        </p:txBody>
+      </p:sp>
+      <p:sp>
+        <p:nvSpPr>
+          <p:cNvPr id="12" name="矩形 11">
+            <a:extLst>
+              <a:ext uri="{FF2B5EF4-FFF2-40B4-BE49-F238E27FC236}">
+                <a16:creationId xmlns:a16="http://schemas.microsoft.com/office/drawing/2014/main" id="{988CF9B2-FA45-4AE1-8889-C8399A9F1BCE}"/>
+              </a:ext>
+            </a:extLst>
+          </p:cNvPr>
+          <p:cNvSpPr/>
+          <p:nvPr/>
+        </p:nvSpPr>
+        <p:spPr>
+          <a:xfrm>
+            <a:off x="9868296" y="4122375"/>
+            <a:ext cx="548548" cy="923330"/>
+          </a:xfrm>
+          <a:prstGeom prst="rect">
+            <a:avLst/>
+          </a:prstGeom>
+          <a:noFill/>
+        </p:spPr>
+        <p:txBody>
+          <a:bodyPr wrap="none" lIns="91440" tIns="45720" rIns="91440" bIns="45720">
+            <a:spAutoFit/>
+          </a:bodyPr>
+          <a:lstStyle/>
+          <a:p>
+            <a:pPr algn="ctr"/>
+            <a:r>
+              <a:rPr lang="en-US" altLang="zh-TW" sz="5400" b="0" cap="none" spc="0" dirty="0">
+                <a:ln w="0"/>
+                <a:solidFill>
+                  <a:schemeClr val="accent1"/>
+                </a:solidFill>
+                <a:effectLst>
+                  <a:outerShdw blurRad="38100" dist="25400" dir="5400000" algn="ctr" rotWithShape="0">
+                    <a:srgbClr val="6E747A">
+                      <a:alpha val="43000"/>
+                    </a:srgbClr>
+                  </a:outerShdw>
+                </a:effectLst>
+              </a:rPr>
+              <a:t>b</a:t>
             </a:r>
             <a:endParaRPr lang="zh-TW" altLang="en-US" sz="5400" b="0" cap="none" spc="0" dirty="0">
               <a:ln w="0"/>
